--- a/Presentation3.pptx
+++ b/Presentation3.pptx
@@ -6,21 +6,31 @@
   </p:sldMasterIdLst>
   <p:sldIdLst>
     <p:sldId id="256" r:id="rId2"/>
-    <p:sldId id="257" r:id="rId3"/>
-    <p:sldId id="261" r:id="rId4"/>
-    <p:sldId id="258" r:id="rId5"/>
-    <p:sldId id="259" r:id="rId6"/>
-    <p:sldId id="260" r:id="rId7"/>
-    <p:sldId id="262" r:id="rId8"/>
-    <p:sldId id="263" r:id="rId9"/>
-    <p:sldId id="264" r:id="rId10"/>
-    <p:sldId id="265" r:id="rId11"/>
-    <p:sldId id="266" r:id="rId12"/>
-    <p:sldId id="267" r:id="rId13"/>
-    <p:sldId id="268" r:id="rId14"/>
-    <p:sldId id="269" r:id="rId15"/>
-    <p:sldId id="270" r:id="rId16"/>
-    <p:sldId id="271" r:id="rId17"/>
+    <p:sldId id="273" r:id="rId3"/>
+    <p:sldId id="257" r:id="rId4"/>
+    <p:sldId id="261" r:id="rId5"/>
+    <p:sldId id="258" r:id="rId6"/>
+    <p:sldId id="259" r:id="rId7"/>
+    <p:sldId id="260" r:id="rId8"/>
+    <p:sldId id="262" r:id="rId9"/>
+    <p:sldId id="263" r:id="rId10"/>
+    <p:sldId id="264" r:id="rId11"/>
+    <p:sldId id="265" r:id="rId12"/>
+    <p:sldId id="266" r:id="rId13"/>
+    <p:sldId id="267" r:id="rId14"/>
+    <p:sldId id="268" r:id="rId15"/>
+    <p:sldId id="269" r:id="rId16"/>
+    <p:sldId id="270" r:id="rId17"/>
+    <p:sldId id="271" r:id="rId18"/>
+    <p:sldId id="272" r:id="rId19"/>
+    <p:sldId id="274" r:id="rId20"/>
+    <p:sldId id="275" r:id="rId21"/>
+    <p:sldId id="276" r:id="rId22"/>
+    <p:sldId id="277" r:id="rId23"/>
+    <p:sldId id="278" r:id="rId24"/>
+    <p:sldId id="279" r:id="rId25"/>
+    <p:sldId id="281" r:id="rId26"/>
+    <p:sldId id="280" r:id="rId27"/>
   </p:sldIdLst>
   <p:sldSz cx="12192000" cy="6858000"/>
   <p:notesSz cx="6858000" cy="9144000"/>
@@ -3530,6 +3540,127 @@
           <p:cNvPr id="2" name="Title 1">
             <a:extLst>
               <a:ext uri="{FF2B5EF4-FFF2-40B4-BE49-F238E27FC236}">
+                <a16:creationId xmlns:a16="http://schemas.microsoft.com/office/drawing/2014/main" id="{4F4E3301-74BB-E390-1BF5-C99B7E1333D4}"/>
+              </a:ext>
+            </a:extLst>
+          </p:cNvPr>
+          <p:cNvSpPr>
+            <a:spLocks noGrp="1"/>
+          </p:cNvSpPr>
+          <p:nvPr>
+            <p:ph type="title"/>
+          </p:nvPr>
+        </p:nvSpPr>
+        <p:spPr/>
+        <p:txBody>
+          <a:bodyPr/>
+          <a:lstStyle/>
+          <a:p>
+            <a:r>
+              <a:rPr lang="en-US" dirty="0"/>
+              <a:t>Disadvantages</a:t>
+            </a:r>
+          </a:p>
+        </p:txBody>
+      </p:sp>
+      <p:sp>
+        <p:nvSpPr>
+          <p:cNvPr id="3" name="Content Placeholder 2">
+            <a:extLst>
+              <a:ext uri="{FF2B5EF4-FFF2-40B4-BE49-F238E27FC236}">
+                <a16:creationId xmlns:a16="http://schemas.microsoft.com/office/drawing/2014/main" id="{C2FB35D7-9157-3E0B-3713-05E97519F10D}"/>
+              </a:ext>
+            </a:extLst>
+          </p:cNvPr>
+          <p:cNvSpPr>
+            <a:spLocks noGrp="1"/>
+          </p:cNvSpPr>
+          <p:nvPr>
+            <p:ph idx="1"/>
+          </p:nvPr>
+        </p:nvSpPr>
+        <p:spPr/>
+        <p:txBody>
+          <a:bodyPr vert="horz" lIns="91440" tIns="45720" rIns="91440" bIns="45720" rtlCol="0" anchor="t">
+            <a:normAutofit/>
+          </a:bodyPr>
+          <a:lstStyle/>
+          <a:p>
+            <a:r>
+              <a:rPr lang="en-US" dirty="0"/>
+              <a:t>Multiple Command System</a:t>
+            </a:r>
+          </a:p>
+          <a:p>
+            <a:r>
+              <a:rPr lang="en-US" dirty="0"/>
+              <a:t>Lack of Coordination</a:t>
+            </a:r>
+          </a:p>
+          <a:p>
+            <a:r>
+              <a:rPr lang="en-US" dirty="0"/>
+              <a:t>High Administrative Cost</a:t>
+            </a:r>
+          </a:p>
+          <a:p>
+            <a:r>
+              <a:rPr lang="en-US" dirty="0"/>
+              <a:t>Delay in Decision-Making</a:t>
+            </a:r>
+          </a:p>
+          <a:p>
+            <a:r>
+              <a:rPr lang="en-US" dirty="0"/>
+              <a:t>Spoils Human Relations</a:t>
+            </a:r>
+          </a:p>
+          <a:p>
+            <a:r>
+              <a:rPr lang="en-US" dirty="0"/>
+              <a:t>Narrow Outlooks of Specialists</a:t>
+            </a:r>
+          </a:p>
+          <a:p>
+            <a:endParaRPr lang="en-US" dirty="0"/>
+          </a:p>
+        </p:txBody>
+      </p:sp>
+    </p:spTree>
+    <p:extLst>
+      <p:ext uri="{BB962C8B-B14F-4D97-AF65-F5344CB8AC3E}">
+        <p14:creationId xmlns:p14="http://schemas.microsoft.com/office/powerpoint/2010/main" val="4163454497"/>
+      </p:ext>
+    </p:extLst>
+  </p:cSld>
+  <p:clrMapOvr>
+    <a:masterClrMapping/>
+  </p:clrMapOvr>
+</p:sld>
+</file>
+
+<file path=ppt/slides/slide11.xml><?xml version="1.0" encoding="utf-8"?>
+<p:sld xmlns:a="http://schemas.openxmlformats.org/drawingml/2006/main" xmlns:r="http://schemas.openxmlformats.org/officeDocument/2006/relationships" xmlns:p="http://schemas.openxmlformats.org/presentationml/2006/main">
+  <p:cSld>
+    <p:spTree>
+      <p:nvGrpSpPr>
+        <p:cNvPr id="1" name=""/>
+        <p:cNvGrpSpPr/>
+        <p:nvPr/>
+      </p:nvGrpSpPr>
+      <p:grpSpPr>
+        <a:xfrm>
+          <a:off x="0" y="0"/>
+          <a:ext cx="0" cy="0"/>
+          <a:chOff x="0" y="0"/>
+          <a:chExt cx="0" cy="0"/>
+        </a:xfrm>
+      </p:grpSpPr>
+      <p:sp>
+        <p:nvSpPr>
+          <p:cNvPr id="2" name="Title 1">
+            <a:extLst>
+              <a:ext uri="{FF2B5EF4-FFF2-40B4-BE49-F238E27FC236}">
                 <a16:creationId xmlns:a16="http://schemas.microsoft.com/office/drawing/2014/main" id="{FB2BD37B-5B51-49F8-F452-A116020DE7B3}"/>
               </a:ext>
             </a:extLst>
@@ -3654,7 +3785,7 @@
 </p:sld>
 </file>
 
-<file path=ppt/slides/slide11.xml><?xml version="1.0" encoding="utf-8"?>
+<file path=ppt/slides/slide12.xml><?xml version="1.0" encoding="utf-8"?>
 <p:sld xmlns:a="http://schemas.openxmlformats.org/drawingml/2006/main" xmlns:r="http://schemas.openxmlformats.org/officeDocument/2006/relationships" xmlns:p="http://schemas.openxmlformats.org/presentationml/2006/main">
   <p:cSld>
     <p:spTree>
@@ -3733,128 +3864,6 @@
 </p:sld>
 </file>
 
-<file path=ppt/slides/slide12.xml><?xml version="1.0" encoding="utf-8"?>
-<p:sld xmlns:a="http://schemas.openxmlformats.org/drawingml/2006/main" xmlns:r="http://schemas.openxmlformats.org/officeDocument/2006/relationships" xmlns:p="http://schemas.openxmlformats.org/presentationml/2006/main">
-  <p:cSld>
-    <p:spTree>
-      <p:nvGrpSpPr>
-        <p:cNvPr id="1" name=""/>
-        <p:cNvGrpSpPr/>
-        <p:nvPr/>
-      </p:nvGrpSpPr>
-      <p:grpSpPr>
-        <a:xfrm>
-          <a:off x="0" y="0"/>
-          <a:ext cx="0" cy="0"/>
-          <a:chOff x="0" y="0"/>
-          <a:chExt cx="0" cy="0"/>
-        </a:xfrm>
-      </p:grpSpPr>
-      <p:sp>
-        <p:nvSpPr>
-          <p:cNvPr id="2" name="Title 1">
-            <a:extLst>
-              <a:ext uri="{FF2B5EF4-FFF2-40B4-BE49-F238E27FC236}">
-                <a16:creationId xmlns:a16="http://schemas.microsoft.com/office/drawing/2014/main" id="{911ABDB5-EFF8-1EA9-394A-68A531E9E271}"/>
-              </a:ext>
-            </a:extLst>
-          </p:cNvPr>
-          <p:cNvSpPr>
-            <a:spLocks noGrp="1"/>
-          </p:cNvSpPr>
-          <p:nvPr>
-            <p:ph type="title"/>
-          </p:nvPr>
-        </p:nvSpPr>
-        <p:spPr/>
-        <p:txBody>
-          <a:bodyPr/>
-          <a:lstStyle/>
-          <a:p>
-            <a:r>
-              <a:rPr lang="en-US" dirty="0"/>
-              <a:t>Advantages</a:t>
-            </a:r>
-          </a:p>
-        </p:txBody>
-      </p:sp>
-      <p:sp>
-        <p:nvSpPr>
-          <p:cNvPr id="3" name="Content Placeholder 2">
-            <a:extLst>
-              <a:ext uri="{FF2B5EF4-FFF2-40B4-BE49-F238E27FC236}">
-                <a16:creationId xmlns:a16="http://schemas.microsoft.com/office/drawing/2014/main" id="{165720A5-FB30-93E5-3315-CA894EAE0BBE}"/>
-              </a:ext>
-            </a:extLst>
-          </p:cNvPr>
-          <p:cNvSpPr>
-            <a:spLocks noGrp="1"/>
-          </p:cNvSpPr>
-          <p:nvPr>
-            <p:ph idx="1"/>
-          </p:nvPr>
-        </p:nvSpPr>
-        <p:spPr/>
-        <p:txBody>
-          <a:bodyPr/>
-          <a:lstStyle/>
-          <a:p>
-            <a:r>
-              <a:rPr lang="en-US" dirty="0"/>
-              <a:t>Expert advice</a:t>
-            </a:r>
-          </a:p>
-          <a:p>
-            <a:r>
-              <a:rPr lang="en-US" dirty="0"/>
-              <a:t>Benefit of Specialization</a:t>
-            </a:r>
-          </a:p>
-          <a:p>
-            <a:r>
-              <a:rPr lang="en-US" dirty="0"/>
-              <a:t>Better co-ordination</a:t>
-            </a:r>
-          </a:p>
-          <a:p>
-            <a:r>
-              <a:rPr lang="en-US" dirty="0"/>
-              <a:t>Balanced decisions</a:t>
-            </a:r>
-          </a:p>
-          <a:p>
-            <a:r>
-              <a:rPr lang="en-US" dirty="0"/>
-              <a:t>Improved quality</a:t>
-            </a:r>
-          </a:p>
-          <a:p>
-            <a:r>
-              <a:rPr lang="en-US" dirty="0"/>
-              <a:t>Well defined authority and responsibility</a:t>
-            </a:r>
-          </a:p>
-          <a:p>
-            <a:r>
-              <a:rPr lang="en-US" dirty="0"/>
-              <a:t>Less wastage</a:t>
-            </a:r>
-          </a:p>
-        </p:txBody>
-      </p:sp>
-    </p:spTree>
-    <p:extLst>
-      <p:ext uri="{BB962C8B-B14F-4D97-AF65-F5344CB8AC3E}">
-        <p14:creationId xmlns:p14="http://schemas.microsoft.com/office/powerpoint/2010/main" val="1752610235"/>
-      </p:ext>
-    </p:extLst>
-  </p:cSld>
-  <p:clrMapOvr>
-    <a:masterClrMapping/>
-  </p:clrMapOvr>
-</p:sld>
-</file>
-
 <file path=ppt/slides/slide13.xml><?xml version="1.0" encoding="utf-8"?>
 <p:sld xmlns:a="http://schemas.openxmlformats.org/drawingml/2006/main" xmlns:r="http://schemas.openxmlformats.org/officeDocument/2006/relationships" xmlns:p="http://schemas.openxmlformats.org/presentationml/2006/main">
   <p:cSld>
@@ -3877,7 +3886,7 @@
           <p:cNvPr id="2" name="Title 1">
             <a:extLst>
               <a:ext uri="{FF2B5EF4-FFF2-40B4-BE49-F238E27FC236}">
-                <a16:creationId xmlns:a16="http://schemas.microsoft.com/office/drawing/2014/main" id="{F406A44B-C587-43C0-B078-58BFFDA7F80E}"/>
+                <a16:creationId xmlns:a16="http://schemas.microsoft.com/office/drawing/2014/main" id="{911ABDB5-EFF8-1EA9-394A-68A531E9E271}"/>
               </a:ext>
             </a:extLst>
           </p:cNvPr>
@@ -3895,7 +3904,7 @@
           <a:p>
             <a:r>
               <a:rPr lang="en-US" dirty="0"/>
-              <a:t>Disadvantages</a:t>
+              <a:t>Advantages</a:t>
             </a:r>
           </a:p>
         </p:txBody>
@@ -3905,7 +3914,7 @@
           <p:cNvPr id="3" name="Content Placeholder 2">
             <a:extLst>
               <a:ext uri="{FF2B5EF4-FFF2-40B4-BE49-F238E27FC236}">
-                <a16:creationId xmlns:a16="http://schemas.microsoft.com/office/drawing/2014/main" id="{4701804F-9DCF-5FDE-4CB1-FC07083E3627}"/>
+                <a16:creationId xmlns:a16="http://schemas.microsoft.com/office/drawing/2014/main" id="{165720A5-FB30-93E5-3315-CA894EAE0BBE}"/>
               </a:ext>
             </a:extLst>
           </p:cNvPr>
@@ -3923,37 +3932,43 @@
           <a:p>
             <a:r>
               <a:rPr lang="en-US" dirty="0"/>
-              <a:t>Chances of mis-interpretation</a:t>
-            </a:r>
-          </a:p>
-          <a:p>
-            <a:r>
-              <a:rPr lang="en-US" dirty="0"/>
-              <a:t>Ineffective staff in the absence of authority</a:t>
-            </a:r>
-          </a:p>
-          <a:p>
-            <a:r>
-              <a:rPr lang="en-US" dirty="0"/>
-              <a:t>Line and staff conflicts</a:t>
-            </a:r>
-          </a:p>
-          <a:p>
-            <a:r>
-              <a:rPr lang="en-US" dirty="0"/>
-              <a:t>Staffs steals the show</a:t>
-            </a:r>
-          </a:p>
-          <a:p>
-            <a:r>
-              <a:rPr lang="en-US" dirty="0"/>
-              <a:t>Costly</a:t>
-            </a:r>
-          </a:p>
-          <a:p>
-            <a:r>
-              <a:rPr lang="en-US" dirty="0"/>
-              <a:t>Lack of sound advice</a:t>
+              <a:t>Expert advice</a:t>
+            </a:r>
+          </a:p>
+          <a:p>
+            <a:r>
+              <a:rPr lang="en-US" dirty="0"/>
+              <a:t>Benefit of Specialization</a:t>
+            </a:r>
+          </a:p>
+          <a:p>
+            <a:r>
+              <a:rPr lang="en-US" dirty="0"/>
+              <a:t>Better co-ordination</a:t>
+            </a:r>
+          </a:p>
+          <a:p>
+            <a:r>
+              <a:rPr lang="en-US" dirty="0"/>
+              <a:t>Balanced decisions</a:t>
+            </a:r>
+          </a:p>
+          <a:p>
+            <a:r>
+              <a:rPr lang="en-US" dirty="0"/>
+              <a:t>Improved quality</a:t>
+            </a:r>
+          </a:p>
+          <a:p>
+            <a:r>
+              <a:rPr lang="en-US" dirty="0"/>
+              <a:t>Well defined authority and responsibility</a:t>
+            </a:r>
+          </a:p>
+          <a:p>
+            <a:r>
+              <a:rPr lang="en-US" dirty="0"/>
+              <a:t>Less wastage</a:t>
             </a:r>
           </a:p>
         </p:txBody>
@@ -3961,7 +3976,7 @@
     </p:spTree>
     <p:extLst>
       <p:ext uri="{BB962C8B-B14F-4D97-AF65-F5344CB8AC3E}">
-        <p14:creationId xmlns:p14="http://schemas.microsoft.com/office/powerpoint/2010/main" val="517197173"/>
+        <p14:creationId xmlns:p14="http://schemas.microsoft.com/office/powerpoint/2010/main" val="1752610235"/>
       </p:ext>
     </p:extLst>
   </p:cSld>
@@ -3993,7 +4008,7 @@
           <p:cNvPr id="2" name="Title 1">
             <a:extLst>
               <a:ext uri="{FF2B5EF4-FFF2-40B4-BE49-F238E27FC236}">
-                <a16:creationId xmlns:a16="http://schemas.microsoft.com/office/drawing/2014/main" id="{A8092139-957B-F233-8CEF-5800C4717DEB}"/>
+                <a16:creationId xmlns:a16="http://schemas.microsoft.com/office/drawing/2014/main" id="{F406A44B-C587-43C0-B078-58BFFDA7F80E}"/>
               </a:ext>
             </a:extLst>
           </p:cNvPr>
@@ -4011,7 +4026,7 @@
           <a:p>
             <a:r>
               <a:rPr lang="en-US" dirty="0"/>
-              <a:t>Committee Organization</a:t>
+              <a:t>Disadvantages</a:t>
             </a:r>
           </a:p>
         </p:txBody>
@@ -4021,7 +4036,7 @@
           <p:cNvPr id="3" name="Content Placeholder 2">
             <a:extLst>
               <a:ext uri="{FF2B5EF4-FFF2-40B4-BE49-F238E27FC236}">
-                <a16:creationId xmlns:a16="http://schemas.microsoft.com/office/drawing/2014/main" id="{8F25424E-520B-8838-DF21-E11C3B9EB81A}"/>
+                <a16:creationId xmlns:a16="http://schemas.microsoft.com/office/drawing/2014/main" id="{4701804F-9DCF-5FDE-4CB1-FC07083E3627}"/>
               </a:ext>
             </a:extLst>
           </p:cNvPr>
@@ -4038,122 +4053,46 @@
           <a:lstStyle/>
           <a:p>
             <a:r>
-              <a:rPr lang="en-US" b="0" i="0" dirty="0">
-                <a:effectLst/>
-              </a:rPr>
-              <a:t>A </a:t>
-            </a:r>
-            <a:r>
-              <a:rPr lang="en-US" i="0" dirty="0">
-                <a:effectLst/>
-              </a:rPr>
-              <a:t>committee organization </a:t>
-            </a:r>
-            <a:r>
-              <a:rPr lang="en-US" b="0" i="0" dirty="0">
-                <a:effectLst/>
-              </a:rPr>
-              <a:t>is an association of people set up to arrive at solutions to common problems.</a:t>
-            </a:r>
-          </a:p>
-          <a:p>
-            <a:r>
-              <a:rPr lang="en-US" i="0" dirty="0">
-                <a:effectLst/>
-              </a:rPr>
-              <a:t>Committee organizational structure </a:t>
-            </a:r>
-            <a:r>
-              <a:rPr lang="en-US" b="0" i="0" dirty="0">
-                <a:effectLst/>
-              </a:rPr>
-              <a:t>provides integrated ideas of various related people of the company.</a:t>
-            </a:r>
-          </a:p>
-          <a:p>
-            <a:r>
-              <a:rPr lang="en-US" b="0" i="0" dirty="0">
-                <a:effectLst/>
-              </a:rPr>
-              <a:t>It is a very good example of democratic management wherein every member has an equal opportunity to raise his voice and come to a common solution. </a:t>
-            </a:r>
-            <a:endParaRPr lang="en-US" dirty="0"/>
-          </a:p>
-          <a:p>
-            <a:r>
-              <a:rPr lang="en-US" b="0" i="0" dirty="0">
-                <a:effectLst/>
-                <a:cs typeface="Varela Round" panose="020B0604020202020204" pitchFamily="2" charset="-79"/>
-              </a:rPr>
-              <a:t>A committee may be of two types: </a:t>
-            </a:r>
-          </a:p>
-          <a:p>
-            <a:pPr lvl="1"/>
-            <a:r>
-              <a:rPr lang="en-US" b="0" i="0" dirty="0">
-                <a:solidFill>
-                  <a:schemeClr val="tx1"/>
-                </a:solidFill>
-                <a:effectLst/>
-                <a:cs typeface="Varela Round" panose="020B0604020202020204" pitchFamily="2" charset="-79"/>
-              </a:rPr>
-              <a:t>Executive Committee (Permanent Committee) </a:t>
-            </a:r>
-          </a:p>
-          <a:p>
-            <a:pPr marL="548640" lvl="2" indent="0">
-              <a:buNone/>
-            </a:pPr>
-            <a:r>
-              <a:rPr lang="en-US" b="0" i="0" dirty="0">
-                <a:solidFill>
-                  <a:schemeClr val="tx1"/>
-                </a:solidFill>
-                <a:effectLst/>
-                <a:cs typeface="Varela Round" panose="020B0604020202020204" pitchFamily="2" charset="-79"/>
-              </a:rPr>
-              <a:t>It is formed when the nature of the work is of repetitive type.</a:t>
-            </a:r>
-          </a:p>
-          <a:p>
-            <a:pPr lvl="1"/>
-            <a:r>
-              <a:rPr lang="en-US" b="0" i="0" dirty="0">
-                <a:solidFill>
-                  <a:schemeClr val="tx1"/>
-                </a:solidFill>
-                <a:effectLst/>
-                <a:cs typeface="Varela Round" panose="020B0604020202020204" pitchFamily="2" charset="-79"/>
-              </a:rPr>
-              <a:t>Advisory Committee (Ad Hoc Committee)</a:t>
-            </a:r>
-          </a:p>
-          <a:p>
-            <a:pPr marL="548640" lvl="2" indent="0">
-              <a:buNone/>
-            </a:pPr>
-            <a:r>
-              <a:rPr lang="en-US" dirty="0">
-                <a:solidFill>
-                  <a:schemeClr val="tx1"/>
-                </a:solidFill>
-                <a:cs typeface="Varela Round" panose="020B0604020202020204" pitchFamily="2" charset="-79"/>
-              </a:rPr>
-              <a:t>It is formed temporarily for some specific temporary function only.</a:t>
-            </a:r>
-            <a:endParaRPr lang="en-US" dirty="0">
-              <a:solidFill>
-                <a:schemeClr val="tx1"/>
-              </a:solidFill>
-            </a:endParaRPr>
+              <a:rPr lang="en-US" dirty="0"/>
+              <a:t>Chances of mis-interpretation</a:t>
+            </a:r>
+          </a:p>
+          <a:p>
+            <a:r>
+              <a:rPr lang="en-US" dirty="0"/>
+              <a:t>Ineffective staff in the absence of authority</a:t>
+            </a:r>
+          </a:p>
+          <a:p>
+            <a:r>
+              <a:rPr lang="en-US" dirty="0"/>
+              <a:t>Line and staff conflicts</a:t>
+            </a:r>
+          </a:p>
+          <a:p>
+            <a:r>
+              <a:rPr lang="en-US" dirty="0"/>
+              <a:t>Staffs steals the show</a:t>
+            </a:r>
+          </a:p>
+          <a:p>
+            <a:r>
+              <a:rPr lang="en-US" dirty="0"/>
+              <a:t>Costly</a:t>
+            </a:r>
+          </a:p>
+          <a:p>
+            <a:r>
+              <a:rPr lang="en-US" dirty="0"/>
+              <a:t>Lack of sound advice</a:t>
+            </a:r>
           </a:p>
         </p:txBody>
       </p:sp>
     </p:spTree>
     <p:extLst>
       <p:ext uri="{BB962C8B-B14F-4D97-AF65-F5344CB8AC3E}">
-        <p14:creationId xmlns:p14="http://schemas.microsoft.com/office/powerpoint/2010/main" val="2420899493"/>
+        <p14:creationId xmlns:p14="http://schemas.microsoft.com/office/powerpoint/2010/main" val="517197173"/>
       </p:ext>
     </p:extLst>
   </p:cSld>
@@ -4185,7 +4124,7 @@
           <p:cNvPr id="2" name="Title 1">
             <a:extLst>
               <a:ext uri="{FF2B5EF4-FFF2-40B4-BE49-F238E27FC236}">
-                <a16:creationId xmlns:a16="http://schemas.microsoft.com/office/drawing/2014/main" id="{C016FC20-0C09-2D01-B9E9-AAAE6F77D46C}"/>
+                <a16:creationId xmlns:a16="http://schemas.microsoft.com/office/drawing/2014/main" id="{A8092139-957B-F233-8CEF-5800C4717DEB}"/>
               </a:ext>
             </a:extLst>
           </p:cNvPr>
@@ -4203,7 +4142,7 @@
           <a:p>
             <a:r>
               <a:rPr lang="en-US" dirty="0"/>
-              <a:t>Advantages</a:t>
+              <a:t>Committee Organization</a:t>
             </a:r>
           </a:p>
         </p:txBody>
@@ -4213,7 +4152,7 @@
           <p:cNvPr id="3" name="Content Placeholder 2">
             <a:extLst>
               <a:ext uri="{FF2B5EF4-FFF2-40B4-BE49-F238E27FC236}">
-                <a16:creationId xmlns:a16="http://schemas.microsoft.com/office/drawing/2014/main" id="{821086C2-C68A-1640-4A6F-ECDCC7316F4D}"/>
+                <a16:creationId xmlns:a16="http://schemas.microsoft.com/office/drawing/2014/main" id="{8F25424E-520B-8838-DF21-E11C3B9EB81A}"/>
               </a:ext>
             </a:extLst>
           </p:cNvPr>
@@ -4230,46 +4169,122 @@
           <a:lstStyle/>
           <a:p>
             <a:r>
-              <a:rPr lang="en-US" dirty="0"/>
-              <a:t>Quality of decision</a:t>
-            </a:r>
-          </a:p>
-          <a:p>
-            <a:r>
-              <a:rPr lang="en-US" dirty="0"/>
-              <a:t>Participative management</a:t>
-            </a:r>
-          </a:p>
-          <a:p>
-            <a:r>
-              <a:rPr lang="en-US" dirty="0"/>
-              <a:t>Reduce Bias and Conflicts</a:t>
-            </a:r>
-          </a:p>
-          <a:p>
-            <a:r>
-              <a:rPr lang="en-US" dirty="0"/>
-              <a:t>Setting Objectives, Plans and Policies</a:t>
-            </a:r>
-          </a:p>
-          <a:p>
-            <a:r>
-              <a:rPr lang="en-US" dirty="0"/>
-              <a:t>Co-ordination</a:t>
-            </a:r>
-          </a:p>
-          <a:p>
-            <a:r>
-              <a:rPr lang="en-US" dirty="0"/>
-              <a:t>Promotes united actions</a:t>
-            </a:r>
+              <a:rPr lang="en-US" b="0" i="0" dirty="0">
+                <a:effectLst/>
+              </a:rPr>
+              <a:t>A </a:t>
+            </a:r>
+            <a:r>
+              <a:rPr lang="en-US" i="0" dirty="0">
+                <a:effectLst/>
+              </a:rPr>
+              <a:t>committee organization </a:t>
+            </a:r>
+            <a:r>
+              <a:rPr lang="en-US" b="0" i="0" dirty="0">
+                <a:effectLst/>
+              </a:rPr>
+              <a:t>is an association of people set up to arrive at solutions to common problems.</a:t>
+            </a:r>
+          </a:p>
+          <a:p>
+            <a:r>
+              <a:rPr lang="en-US" i="0" dirty="0">
+                <a:effectLst/>
+              </a:rPr>
+              <a:t>Committee organizational structure </a:t>
+            </a:r>
+            <a:r>
+              <a:rPr lang="en-US" b="0" i="0" dirty="0">
+                <a:effectLst/>
+              </a:rPr>
+              <a:t>provides integrated ideas of various related people of the company.</a:t>
+            </a:r>
+          </a:p>
+          <a:p>
+            <a:r>
+              <a:rPr lang="en-US" b="0" i="0" dirty="0">
+                <a:effectLst/>
+              </a:rPr>
+              <a:t>It is a very good example of democratic management wherein every member has an equal opportunity to raise his voice and come to a common solution. </a:t>
+            </a:r>
+            <a:endParaRPr lang="en-US" dirty="0"/>
+          </a:p>
+          <a:p>
+            <a:r>
+              <a:rPr lang="en-US" b="0" i="0" dirty="0">
+                <a:effectLst/>
+                <a:cs typeface="Varela Round" panose="020B0604020202020204" pitchFamily="2" charset="-79"/>
+              </a:rPr>
+              <a:t>A committee may be of two types: </a:t>
+            </a:r>
+          </a:p>
+          <a:p>
+            <a:pPr lvl="1"/>
+            <a:r>
+              <a:rPr lang="en-US" b="0" i="0" dirty="0">
+                <a:solidFill>
+                  <a:schemeClr val="tx1"/>
+                </a:solidFill>
+                <a:effectLst/>
+                <a:cs typeface="Varela Round" panose="020B0604020202020204" pitchFamily="2" charset="-79"/>
+              </a:rPr>
+              <a:t>Executive Committee (Permanent Committee) </a:t>
+            </a:r>
+          </a:p>
+          <a:p>
+            <a:pPr marL="548640" lvl="2" indent="0">
+              <a:buNone/>
+            </a:pPr>
+            <a:r>
+              <a:rPr lang="en-US" b="0" i="0" dirty="0">
+                <a:solidFill>
+                  <a:schemeClr val="tx1"/>
+                </a:solidFill>
+                <a:effectLst/>
+                <a:cs typeface="Varela Round" panose="020B0604020202020204" pitchFamily="2" charset="-79"/>
+              </a:rPr>
+              <a:t>It is formed when the nature of the work is of repetitive type.</a:t>
+            </a:r>
+          </a:p>
+          <a:p>
+            <a:pPr lvl="1"/>
+            <a:r>
+              <a:rPr lang="en-US" b="0" i="0" dirty="0">
+                <a:solidFill>
+                  <a:schemeClr val="tx1"/>
+                </a:solidFill>
+                <a:effectLst/>
+                <a:cs typeface="Varela Round" panose="020B0604020202020204" pitchFamily="2" charset="-79"/>
+              </a:rPr>
+              <a:t>Advisory Committee (Ad Hoc Committee)</a:t>
+            </a:r>
+          </a:p>
+          <a:p>
+            <a:pPr marL="548640" lvl="2" indent="0">
+              <a:buNone/>
+            </a:pPr>
+            <a:r>
+              <a:rPr lang="en-US" dirty="0">
+                <a:solidFill>
+                  <a:schemeClr val="tx1"/>
+                </a:solidFill>
+                <a:cs typeface="Varela Round" panose="020B0604020202020204" pitchFamily="2" charset="-79"/>
+              </a:rPr>
+              <a:t>It is formed temporarily for some specific temporary function only.</a:t>
+            </a:r>
+            <a:endParaRPr lang="en-US" dirty="0">
+              <a:solidFill>
+                <a:schemeClr val="tx1"/>
+              </a:solidFill>
+            </a:endParaRPr>
           </a:p>
         </p:txBody>
       </p:sp>
     </p:spTree>
     <p:extLst>
       <p:ext uri="{BB962C8B-B14F-4D97-AF65-F5344CB8AC3E}">
-        <p14:creationId xmlns:p14="http://schemas.microsoft.com/office/powerpoint/2010/main" val="2199225593"/>
+        <p14:creationId xmlns:p14="http://schemas.microsoft.com/office/powerpoint/2010/main" val="2420899493"/>
       </p:ext>
     </p:extLst>
   </p:cSld>
@@ -4301,6 +4316,122 @@
           <p:cNvPr id="2" name="Title 1">
             <a:extLst>
               <a:ext uri="{FF2B5EF4-FFF2-40B4-BE49-F238E27FC236}">
+                <a16:creationId xmlns:a16="http://schemas.microsoft.com/office/drawing/2014/main" id="{C016FC20-0C09-2D01-B9E9-AAAE6F77D46C}"/>
+              </a:ext>
+            </a:extLst>
+          </p:cNvPr>
+          <p:cNvSpPr>
+            <a:spLocks noGrp="1"/>
+          </p:cNvSpPr>
+          <p:nvPr>
+            <p:ph type="title"/>
+          </p:nvPr>
+        </p:nvSpPr>
+        <p:spPr/>
+        <p:txBody>
+          <a:bodyPr/>
+          <a:lstStyle/>
+          <a:p>
+            <a:r>
+              <a:rPr lang="en-US" dirty="0"/>
+              <a:t>Advantages</a:t>
+            </a:r>
+          </a:p>
+        </p:txBody>
+      </p:sp>
+      <p:sp>
+        <p:nvSpPr>
+          <p:cNvPr id="3" name="Content Placeholder 2">
+            <a:extLst>
+              <a:ext uri="{FF2B5EF4-FFF2-40B4-BE49-F238E27FC236}">
+                <a16:creationId xmlns:a16="http://schemas.microsoft.com/office/drawing/2014/main" id="{821086C2-C68A-1640-4A6F-ECDCC7316F4D}"/>
+              </a:ext>
+            </a:extLst>
+          </p:cNvPr>
+          <p:cNvSpPr>
+            <a:spLocks noGrp="1"/>
+          </p:cNvSpPr>
+          <p:nvPr>
+            <p:ph idx="1"/>
+          </p:nvPr>
+        </p:nvSpPr>
+        <p:spPr/>
+        <p:txBody>
+          <a:bodyPr/>
+          <a:lstStyle/>
+          <a:p>
+            <a:r>
+              <a:rPr lang="en-US" dirty="0"/>
+              <a:t>Quality of decision</a:t>
+            </a:r>
+          </a:p>
+          <a:p>
+            <a:r>
+              <a:rPr lang="en-US" dirty="0"/>
+              <a:t>Participative management</a:t>
+            </a:r>
+          </a:p>
+          <a:p>
+            <a:r>
+              <a:rPr lang="en-US" dirty="0"/>
+              <a:t>Reduce Bias and Conflicts</a:t>
+            </a:r>
+          </a:p>
+          <a:p>
+            <a:r>
+              <a:rPr lang="en-US" dirty="0"/>
+              <a:t>Setting Objectives, Plans and Policies</a:t>
+            </a:r>
+          </a:p>
+          <a:p>
+            <a:r>
+              <a:rPr lang="en-US" dirty="0"/>
+              <a:t>Co-ordination</a:t>
+            </a:r>
+          </a:p>
+          <a:p>
+            <a:r>
+              <a:rPr lang="en-US" dirty="0"/>
+              <a:t>Promotes united actions</a:t>
+            </a:r>
+          </a:p>
+        </p:txBody>
+      </p:sp>
+    </p:spTree>
+    <p:extLst>
+      <p:ext uri="{BB962C8B-B14F-4D97-AF65-F5344CB8AC3E}">
+        <p14:creationId xmlns:p14="http://schemas.microsoft.com/office/powerpoint/2010/main" val="2199225593"/>
+      </p:ext>
+    </p:extLst>
+  </p:cSld>
+  <p:clrMapOvr>
+    <a:masterClrMapping/>
+  </p:clrMapOvr>
+</p:sld>
+</file>
+
+<file path=ppt/slides/slide17.xml><?xml version="1.0" encoding="utf-8"?>
+<p:sld xmlns:a="http://schemas.openxmlformats.org/drawingml/2006/main" xmlns:r="http://schemas.openxmlformats.org/officeDocument/2006/relationships" xmlns:p="http://schemas.openxmlformats.org/presentationml/2006/main">
+  <p:cSld>
+    <p:spTree>
+      <p:nvGrpSpPr>
+        <p:cNvPr id="1" name=""/>
+        <p:cNvGrpSpPr/>
+        <p:nvPr/>
+      </p:nvGrpSpPr>
+      <p:grpSpPr>
+        <a:xfrm>
+          <a:off x="0" y="0"/>
+          <a:ext cx="0" cy="0"/>
+          <a:chOff x="0" y="0"/>
+          <a:chExt cx="0" cy="0"/>
+        </a:xfrm>
+      </p:grpSpPr>
+      <p:sp>
+        <p:nvSpPr>
+          <p:cNvPr id="2" name="Title 1">
+            <a:extLst>
+              <a:ext uri="{FF2B5EF4-FFF2-40B4-BE49-F238E27FC236}">
                 <a16:creationId xmlns:a16="http://schemas.microsoft.com/office/drawing/2014/main" id="{168F9722-D610-D7AB-27B7-B321EA4E2BFE}"/>
               </a:ext>
             </a:extLst>
@@ -4380,6 +4511,186 @@
     <p:extLst>
       <p:ext uri="{BB962C8B-B14F-4D97-AF65-F5344CB8AC3E}">
         <p14:creationId xmlns:p14="http://schemas.microsoft.com/office/powerpoint/2010/main" val="4211736162"/>
+      </p:ext>
+    </p:extLst>
+  </p:cSld>
+  <p:clrMapOvr>
+    <a:masterClrMapping/>
+  </p:clrMapOvr>
+</p:sld>
+</file>
+
+<file path=ppt/slides/slide18.xml><?xml version="1.0" encoding="utf-8"?>
+<p:sld xmlns:a="http://schemas.openxmlformats.org/drawingml/2006/main" xmlns:r="http://schemas.openxmlformats.org/officeDocument/2006/relationships" xmlns:p="http://schemas.openxmlformats.org/presentationml/2006/main">
+  <p:cSld>
+    <p:spTree>
+      <p:nvGrpSpPr>
+        <p:cNvPr id="1" name=""/>
+        <p:cNvGrpSpPr/>
+        <p:nvPr/>
+      </p:nvGrpSpPr>
+      <p:grpSpPr>
+        <a:xfrm>
+          <a:off x="0" y="0"/>
+          <a:ext cx="0" cy="0"/>
+          <a:chOff x="0" y="0"/>
+          <a:chExt cx="0" cy="0"/>
+        </a:xfrm>
+      </p:grpSpPr>
+      <p:sp>
+        <p:nvSpPr>
+          <p:cNvPr id="2" name="Title 1">
+            <a:extLst>
+              <a:ext uri="{FF2B5EF4-FFF2-40B4-BE49-F238E27FC236}">
+                <a16:creationId xmlns:a16="http://schemas.microsoft.com/office/drawing/2014/main" id="{15F89B71-E056-421D-BC6B-1598C7C4CEC5}"/>
+              </a:ext>
+            </a:extLst>
+          </p:cNvPr>
+          <p:cNvSpPr>
+            <a:spLocks noGrp="1"/>
+          </p:cNvSpPr>
+          <p:nvPr>
+            <p:ph type="title"/>
+          </p:nvPr>
+        </p:nvSpPr>
+        <p:spPr>
+          <a:xfrm>
+            <a:off x="1278229" y="2561526"/>
+            <a:ext cx="8682506" cy="1734947"/>
+          </a:xfrm>
+        </p:spPr>
+        <p:txBody>
+          <a:bodyPr>
+            <a:noAutofit/>
+          </a:bodyPr>
+          <a:lstStyle/>
+          <a:p>
+            <a:r>
+              <a:rPr lang="en-US" sz="6000" dirty="0"/>
+              <a:t>1.6 Purchasing and Marketing Management</a:t>
+            </a:r>
+          </a:p>
+        </p:txBody>
+      </p:sp>
+    </p:spTree>
+    <p:extLst>
+      <p:ext uri="{BB962C8B-B14F-4D97-AF65-F5344CB8AC3E}">
+        <p14:creationId xmlns:p14="http://schemas.microsoft.com/office/powerpoint/2010/main" val="968969093"/>
+      </p:ext>
+    </p:extLst>
+  </p:cSld>
+  <p:clrMapOvr>
+    <a:masterClrMapping/>
+  </p:clrMapOvr>
+</p:sld>
+</file>
+
+<file path=ppt/slides/slide19.xml><?xml version="1.0" encoding="utf-8"?>
+<p:sld xmlns:a="http://schemas.openxmlformats.org/drawingml/2006/main" xmlns:r="http://schemas.openxmlformats.org/officeDocument/2006/relationships" xmlns:p="http://schemas.openxmlformats.org/presentationml/2006/main">
+  <p:cSld>
+    <p:spTree>
+      <p:nvGrpSpPr>
+        <p:cNvPr id="1" name=""/>
+        <p:cNvGrpSpPr/>
+        <p:nvPr/>
+      </p:nvGrpSpPr>
+      <p:grpSpPr>
+        <a:xfrm>
+          <a:off x="0" y="0"/>
+          <a:ext cx="0" cy="0"/>
+          <a:chOff x="0" y="0"/>
+          <a:chExt cx="0" cy="0"/>
+        </a:xfrm>
+      </p:grpSpPr>
+      <p:sp>
+        <p:nvSpPr>
+          <p:cNvPr id="2" name="Title 1">
+            <a:extLst>
+              <a:ext uri="{FF2B5EF4-FFF2-40B4-BE49-F238E27FC236}">
+                <a16:creationId xmlns:a16="http://schemas.microsoft.com/office/drawing/2014/main" id="{FD880D68-2C0E-4250-AF3E-753DCD3E603C}"/>
+              </a:ext>
+            </a:extLst>
+          </p:cNvPr>
+          <p:cNvSpPr>
+            <a:spLocks noGrp="1"/>
+          </p:cNvSpPr>
+          <p:nvPr>
+            <p:ph type="title"/>
+          </p:nvPr>
+        </p:nvSpPr>
+        <p:spPr/>
+        <p:txBody>
+          <a:bodyPr/>
+          <a:lstStyle/>
+          <a:p>
+            <a:r>
+              <a:rPr lang="en-US" dirty="0"/>
+              <a:t>Purchasing</a:t>
+            </a:r>
+          </a:p>
+        </p:txBody>
+      </p:sp>
+      <p:sp>
+        <p:nvSpPr>
+          <p:cNvPr id="3" name="Content Placeholder 2">
+            <a:extLst>
+              <a:ext uri="{FF2B5EF4-FFF2-40B4-BE49-F238E27FC236}">
+                <a16:creationId xmlns:a16="http://schemas.microsoft.com/office/drawing/2014/main" id="{E5F4C98B-460E-4B39-8736-9BD4212EE5A2}"/>
+              </a:ext>
+            </a:extLst>
+          </p:cNvPr>
+          <p:cNvSpPr>
+            <a:spLocks noGrp="1"/>
+          </p:cNvSpPr>
+          <p:nvPr>
+            <p:ph idx="1"/>
+          </p:nvPr>
+        </p:nvSpPr>
+        <p:spPr>
+          <a:xfrm>
+            <a:off x="1261871" y="1828800"/>
+            <a:ext cx="9105621" cy="4351337"/>
+          </a:xfrm>
+        </p:spPr>
+        <p:txBody>
+          <a:bodyPr>
+            <a:normAutofit/>
+          </a:bodyPr>
+          <a:lstStyle/>
+          <a:p>
+            <a:pPr algn="just"/>
+            <a:r>
+              <a:rPr lang="en-US" sz="2400" dirty="0"/>
+              <a:t>First phase of Materials Management</a:t>
+            </a:r>
+          </a:p>
+          <a:p>
+            <a:pPr algn="just"/>
+            <a:r>
+              <a:rPr lang="en-US" sz="2400" dirty="0"/>
+              <a:t>Buying or acquiring goods and services to make supply chain management more efficient</a:t>
+            </a:r>
+          </a:p>
+          <a:p>
+            <a:pPr algn="just"/>
+            <a:r>
+              <a:rPr lang="en-US" sz="2400" dirty="0"/>
+              <a:t>Operation of market exploration to procure goods and services of desired quality, quantity at lowest price and at the desired time</a:t>
+            </a:r>
+          </a:p>
+          <a:p>
+            <a:pPr algn="just"/>
+            <a:r>
+              <a:rPr lang="en-US" sz="2400" dirty="0"/>
+              <a:t>Includes research and development for the proper selection of materials and sources, follow-up to ensure timely delivery, inspection to ensure both quantity and quality</a:t>
+            </a:r>
+          </a:p>
+        </p:txBody>
+      </p:sp>
+    </p:spTree>
+    <p:extLst>
+      <p:ext uri="{BB962C8B-B14F-4D97-AF65-F5344CB8AC3E}">
+        <p14:creationId xmlns:p14="http://schemas.microsoft.com/office/powerpoint/2010/main" val="736085157"/>
       </p:ext>
     </p:extLst>
   </p:cSld>
@@ -4411,6 +4722,950 @@
           <p:cNvPr id="2" name="Title 1">
             <a:extLst>
               <a:ext uri="{FF2B5EF4-FFF2-40B4-BE49-F238E27FC236}">
+                <a16:creationId xmlns:a16="http://schemas.microsoft.com/office/drawing/2014/main" id="{8308F733-FDCC-4628-BD29-A97D6BEFC069}"/>
+              </a:ext>
+            </a:extLst>
+          </p:cNvPr>
+          <p:cNvSpPr>
+            <a:spLocks noGrp="1"/>
+          </p:cNvSpPr>
+          <p:nvPr>
+            <p:ph type="title"/>
+          </p:nvPr>
+        </p:nvSpPr>
+        <p:spPr>
+          <a:xfrm>
+            <a:off x="876192" y="2960771"/>
+            <a:ext cx="9555695" cy="936457"/>
+          </a:xfrm>
+        </p:spPr>
+        <p:txBody>
+          <a:bodyPr>
+            <a:normAutofit/>
+          </a:bodyPr>
+          <a:lstStyle/>
+          <a:p>
+            <a:r>
+              <a:rPr lang="en-US" sz="6000" dirty="0"/>
+              <a:t>1.5 Organization Structure</a:t>
+            </a:r>
+          </a:p>
+        </p:txBody>
+      </p:sp>
+    </p:spTree>
+    <p:extLst>
+      <p:ext uri="{BB962C8B-B14F-4D97-AF65-F5344CB8AC3E}">
+        <p14:creationId xmlns:p14="http://schemas.microsoft.com/office/powerpoint/2010/main" val="2482841267"/>
+      </p:ext>
+    </p:extLst>
+  </p:cSld>
+  <p:clrMapOvr>
+    <a:masterClrMapping/>
+  </p:clrMapOvr>
+</p:sld>
+</file>
+
+<file path=ppt/slides/slide20.xml><?xml version="1.0" encoding="utf-8"?>
+<p:sld xmlns:a="http://schemas.openxmlformats.org/drawingml/2006/main" xmlns:r="http://schemas.openxmlformats.org/officeDocument/2006/relationships" xmlns:p="http://schemas.openxmlformats.org/presentationml/2006/main">
+  <p:cSld>
+    <p:spTree>
+      <p:nvGrpSpPr>
+        <p:cNvPr id="1" name=""/>
+        <p:cNvGrpSpPr/>
+        <p:nvPr/>
+      </p:nvGrpSpPr>
+      <p:grpSpPr>
+        <a:xfrm>
+          <a:off x="0" y="0"/>
+          <a:ext cx="0" cy="0"/>
+          <a:chOff x="0" y="0"/>
+          <a:chExt cx="0" cy="0"/>
+        </a:xfrm>
+      </p:grpSpPr>
+      <p:sp>
+        <p:nvSpPr>
+          <p:cNvPr id="2" name="Title 1">
+            <a:extLst>
+              <a:ext uri="{FF2B5EF4-FFF2-40B4-BE49-F238E27FC236}">
+                <a16:creationId xmlns:a16="http://schemas.microsoft.com/office/drawing/2014/main" id="{D59F9F1E-37C7-43BA-B6E4-EA353C542780}"/>
+              </a:ext>
+            </a:extLst>
+          </p:cNvPr>
+          <p:cNvSpPr>
+            <a:spLocks noGrp="1"/>
+          </p:cNvSpPr>
+          <p:nvPr>
+            <p:ph type="title"/>
+          </p:nvPr>
+        </p:nvSpPr>
+        <p:spPr/>
+        <p:txBody>
+          <a:bodyPr/>
+          <a:lstStyle/>
+          <a:p>
+            <a:r>
+              <a:rPr lang="en-US" dirty="0"/>
+              <a:t>Purchasing Department</a:t>
+            </a:r>
+          </a:p>
+        </p:txBody>
+      </p:sp>
+      <p:sp>
+        <p:nvSpPr>
+          <p:cNvPr id="3" name="Content Placeholder 2">
+            <a:extLst>
+              <a:ext uri="{FF2B5EF4-FFF2-40B4-BE49-F238E27FC236}">
+                <a16:creationId xmlns:a16="http://schemas.microsoft.com/office/drawing/2014/main" id="{84CD1B1A-3306-4ACC-BBFA-602A74828082}"/>
+              </a:ext>
+            </a:extLst>
+          </p:cNvPr>
+          <p:cNvSpPr>
+            <a:spLocks noGrp="1"/>
+          </p:cNvSpPr>
+          <p:nvPr>
+            <p:ph idx="1"/>
+          </p:nvPr>
+        </p:nvSpPr>
+        <p:spPr>
+          <a:xfrm>
+            <a:off x="1261871" y="1828800"/>
+            <a:ext cx="9105621" cy="4351337"/>
+          </a:xfrm>
+        </p:spPr>
+        <p:txBody>
+          <a:bodyPr>
+            <a:normAutofit/>
+          </a:bodyPr>
+          <a:lstStyle/>
+          <a:p>
+            <a:pPr algn="just"/>
+            <a:r>
+              <a:rPr lang="en-US" sz="2400" dirty="0"/>
+              <a:t>Responsible for procuring the goods, raw material &amp; services required to operate the organization effectively</a:t>
+            </a:r>
+          </a:p>
+          <a:p>
+            <a:pPr algn="just"/>
+            <a:r>
+              <a:rPr lang="en-US" sz="2400" dirty="0"/>
+              <a:t>Every organization has its specific needs when it comes to the sourcing and procurement of equipment, raw materials, and services</a:t>
+            </a:r>
+          </a:p>
+        </p:txBody>
+      </p:sp>
+    </p:spTree>
+    <p:extLst>
+      <p:ext uri="{BB962C8B-B14F-4D97-AF65-F5344CB8AC3E}">
+        <p14:creationId xmlns:p14="http://schemas.microsoft.com/office/powerpoint/2010/main" val="319446178"/>
+      </p:ext>
+    </p:extLst>
+  </p:cSld>
+  <p:clrMapOvr>
+    <a:masterClrMapping/>
+  </p:clrMapOvr>
+</p:sld>
+</file>
+
+<file path=ppt/slides/slide21.xml><?xml version="1.0" encoding="utf-8"?>
+<p:sld xmlns:a="http://schemas.openxmlformats.org/drawingml/2006/main" xmlns:r="http://schemas.openxmlformats.org/officeDocument/2006/relationships" xmlns:p="http://schemas.openxmlformats.org/presentationml/2006/main">
+  <p:cSld>
+    <p:spTree>
+      <p:nvGrpSpPr>
+        <p:cNvPr id="1" name=""/>
+        <p:cNvGrpSpPr/>
+        <p:nvPr/>
+      </p:nvGrpSpPr>
+      <p:grpSpPr>
+        <a:xfrm>
+          <a:off x="0" y="0"/>
+          <a:ext cx="0" cy="0"/>
+          <a:chOff x="0" y="0"/>
+          <a:chExt cx="0" cy="0"/>
+        </a:xfrm>
+      </p:grpSpPr>
+      <p:sp>
+        <p:nvSpPr>
+          <p:cNvPr id="2" name="Title 1">
+            <a:extLst>
+              <a:ext uri="{FF2B5EF4-FFF2-40B4-BE49-F238E27FC236}">
+                <a16:creationId xmlns:a16="http://schemas.microsoft.com/office/drawing/2014/main" id="{846E9B78-9374-4A0A-9D63-4E9299035CDE}"/>
+              </a:ext>
+            </a:extLst>
+          </p:cNvPr>
+          <p:cNvSpPr>
+            <a:spLocks noGrp="1"/>
+          </p:cNvSpPr>
+          <p:nvPr>
+            <p:ph type="title"/>
+          </p:nvPr>
+        </p:nvSpPr>
+        <p:spPr/>
+        <p:txBody>
+          <a:bodyPr/>
+          <a:lstStyle/>
+          <a:p>
+            <a:r>
+              <a:rPr lang="en-US" dirty="0"/>
+              <a:t>Key Functions of Purchasing Departments</a:t>
+            </a:r>
+          </a:p>
+        </p:txBody>
+      </p:sp>
+      <p:sp>
+        <p:nvSpPr>
+          <p:cNvPr id="3" name="Content Placeholder 2">
+            <a:extLst>
+              <a:ext uri="{FF2B5EF4-FFF2-40B4-BE49-F238E27FC236}">
+                <a16:creationId xmlns:a16="http://schemas.microsoft.com/office/drawing/2014/main" id="{EF856B04-D3E1-4C9C-A2B9-3D541F74A578}"/>
+              </a:ext>
+            </a:extLst>
+          </p:cNvPr>
+          <p:cNvSpPr>
+            <a:spLocks noGrp="1"/>
+          </p:cNvSpPr>
+          <p:nvPr>
+            <p:ph idx="1"/>
+          </p:nvPr>
+        </p:nvSpPr>
+        <p:spPr>
+          <a:xfrm>
+            <a:off x="1261872" y="1828800"/>
+            <a:ext cx="9092742" cy="4351337"/>
+          </a:xfrm>
+        </p:spPr>
+        <p:txBody>
+          <a:bodyPr>
+            <a:normAutofit/>
+          </a:bodyPr>
+          <a:lstStyle/>
+          <a:p>
+            <a:pPr algn="just"/>
+            <a:r>
+              <a:rPr lang="en-US" sz="2400" dirty="0"/>
+              <a:t>Identify business requirements for goods, materials, and services</a:t>
+            </a:r>
+          </a:p>
+          <a:p>
+            <a:pPr algn="just"/>
+            <a:r>
+              <a:rPr lang="en-US" sz="2400" dirty="0"/>
+              <a:t>Find reliable suppliers to meet these requirements</a:t>
+            </a:r>
+          </a:p>
+          <a:p>
+            <a:pPr algn="just"/>
+            <a:r>
+              <a:rPr lang="en-US" sz="2400" dirty="0"/>
+              <a:t>Negotiate prices, build quality, and delivery terms</a:t>
+            </a:r>
+          </a:p>
+          <a:p>
+            <a:pPr algn="just"/>
+            <a:r>
+              <a:rPr lang="en-US" sz="2400" dirty="0"/>
+              <a:t>Set up the order quantities and making bid requests on supply contracts</a:t>
+            </a:r>
+          </a:p>
+          <a:p>
+            <a:pPr algn="just"/>
+            <a:r>
+              <a:rPr lang="en-US" sz="2400" dirty="0"/>
+              <a:t>Coordinate delivery and storage operations</a:t>
+            </a:r>
+          </a:p>
+          <a:p>
+            <a:pPr algn="just"/>
+            <a:r>
+              <a:rPr lang="en-US" sz="2400" dirty="0"/>
+              <a:t>Run quality control and product testing</a:t>
+            </a:r>
+          </a:p>
+        </p:txBody>
+      </p:sp>
+    </p:spTree>
+    <p:extLst>
+      <p:ext uri="{BB962C8B-B14F-4D97-AF65-F5344CB8AC3E}">
+        <p14:creationId xmlns:p14="http://schemas.microsoft.com/office/powerpoint/2010/main" val="3952737514"/>
+      </p:ext>
+    </p:extLst>
+  </p:cSld>
+  <p:clrMapOvr>
+    <a:masterClrMapping/>
+  </p:clrMapOvr>
+</p:sld>
+</file>
+
+<file path=ppt/slides/slide22.xml><?xml version="1.0" encoding="utf-8"?>
+<p:sld xmlns:a="http://schemas.openxmlformats.org/drawingml/2006/main" xmlns:r="http://schemas.openxmlformats.org/officeDocument/2006/relationships" xmlns:p="http://schemas.openxmlformats.org/presentationml/2006/main">
+  <p:cSld>
+    <p:spTree>
+      <p:nvGrpSpPr>
+        <p:cNvPr id="1" name=""/>
+        <p:cNvGrpSpPr/>
+        <p:nvPr/>
+      </p:nvGrpSpPr>
+      <p:grpSpPr>
+        <a:xfrm>
+          <a:off x="0" y="0"/>
+          <a:ext cx="0" cy="0"/>
+          <a:chOff x="0" y="0"/>
+          <a:chExt cx="0" cy="0"/>
+        </a:xfrm>
+      </p:grpSpPr>
+      <p:sp>
+        <p:nvSpPr>
+          <p:cNvPr id="2" name="Title 1">
+            <a:extLst>
+              <a:ext uri="{FF2B5EF4-FFF2-40B4-BE49-F238E27FC236}">
+                <a16:creationId xmlns:a16="http://schemas.microsoft.com/office/drawing/2014/main" id="{6010B467-DAA8-4531-9657-AE42F2642B2F}"/>
+              </a:ext>
+            </a:extLst>
+          </p:cNvPr>
+          <p:cNvSpPr>
+            <a:spLocks noGrp="1"/>
+          </p:cNvSpPr>
+          <p:nvPr>
+            <p:ph type="title"/>
+          </p:nvPr>
+        </p:nvSpPr>
+        <p:spPr/>
+        <p:txBody>
+          <a:bodyPr>
+            <a:normAutofit/>
+          </a:bodyPr>
+          <a:lstStyle/>
+          <a:p>
+            <a:r>
+              <a:rPr lang="en-US" dirty="0"/>
+              <a:t>Duties and Responsibilities of Purchasing Departments</a:t>
+            </a:r>
+          </a:p>
+        </p:txBody>
+      </p:sp>
+      <p:sp>
+        <p:nvSpPr>
+          <p:cNvPr id="3" name="Content Placeholder 2">
+            <a:extLst>
+              <a:ext uri="{FF2B5EF4-FFF2-40B4-BE49-F238E27FC236}">
+                <a16:creationId xmlns:a16="http://schemas.microsoft.com/office/drawing/2014/main" id="{082BA8BD-B94F-4333-B9EB-1C8DE6CA13DF}"/>
+              </a:ext>
+            </a:extLst>
+          </p:cNvPr>
+          <p:cNvSpPr>
+            <a:spLocks noGrp="1"/>
+          </p:cNvSpPr>
+          <p:nvPr>
+            <p:ph idx="1"/>
+          </p:nvPr>
+        </p:nvSpPr>
+        <p:spPr>
+          <a:xfrm>
+            <a:off x="1261871" y="1828800"/>
+            <a:ext cx="9079863" cy="4351337"/>
+          </a:xfrm>
+        </p:spPr>
+        <p:txBody>
+          <a:bodyPr>
+            <a:normAutofit/>
+          </a:bodyPr>
+          <a:lstStyle/>
+          <a:p>
+            <a:pPr algn="just"/>
+            <a:r>
+              <a:rPr lang="en-US" sz="2400" dirty="0"/>
+              <a:t>Maintaining long-term exclusive partnerships with top vendors</a:t>
+            </a:r>
+          </a:p>
+          <a:p>
+            <a:pPr algn="just"/>
+            <a:r>
+              <a:rPr lang="en-US" sz="2400" dirty="0"/>
+              <a:t>Acquiring goods at competitive rates</a:t>
+            </a:r>
+          </a:p>
+          <a:p>
+            <a:pPr algn="just"/>
+            <a:r>
+              <a:rPr lang="en-US" sz="2400" dirty="0"/>
+              <a:t>Researching goods and products carefully based on quality, prices, and delivery terms</a:t>
+            </a:r>
+          </a:p>
+          <a:p>
+            <a:pPr algn="just"/>
+            <a:r>
+              <a:rPr lang="en-US" sz="2400" dirty="0"/>
+              <a:t>Creating transparency in delivery and order processes</a:t>
+            </a:r>
+          </a:p>
+          <a:p>
+            <a:pPr algn="just"/>
+            <a:r>
+              <a:rPr lang="en-US" sz="2400" dirty="0"/>
+              <a:t>Building conclusive financial reports to calculate ROIs</a:t>
+            </a:r>
+          </a:p>
+        </p:txBody>
+      </p:sp>
+    </p:spTree>
+    <p:extLst>
+      <p:ext uri="{BB962C8B-B14F-4D97-AF65-F5344CB8AC3E}">
+        <p14:creationId xmlns:p14="http://schemas.microsoft.com/office/powerpoint/2010/main" val="1227741270"/>
+      </p:ext>
+    </p:extLst>
+  </p:cSld>
+  <p:clrMapOvr>
+    <a:masterClrMapping/>
+  </p:clrMapOvr>
+</p:sld>
+</file>
+
+<file path=ppt/slides/slide23.xml><?xml version="1.0" encoding="utf-8"?>
+<p:sld xmlns:a="http://schemas.openxmlformats.org/drawingml/2006/main" xmlns:r="http://schemas.openxmlformats.org/officeDocument/2006/relationships" xmlns:p="http://schemas.openxmlformats.org/presentationml/2006/main">
+  <p:cSld>
+    <p:spTree>
+      <p:nvGrpSpPr>
+        <p:cNvPr id="1" name=""/>
+        <p:cNvGrpSpPr/>
+        <p:nvPr/>
+      </p:nvGrpSpPr>
+      <p:grpSpPr>
+        <a:xfrm>
+          <a:off x="0" y="0"/>
+          <a:ext cx="0" cy="0"/>
+          <a:chOff x="0" y="0"/>
+          <a:chExt cx="0" cy="0"/>
+        </a:xfrm>
+      </p:grpSpPr>
+      <p:sp>
+        <p:nvSpPr>
+          <p:cNvPr id="2" name="Title 1">
+            <a:extLst>
+              <a:ext uri="{FF2B5EF4-FFF2-40B4-BE49-F238E27FC236}">
+                <a16:creationId xmlns:a16="http://schemas.microsoft.com/office/drawing/2014/main" id="{08AC3FD6-817B-41D1-8D8E-123D487B085E}"/>
+              </a:ext>
+            </a:extLst>
+          </p:cNvPr>
+          <p:cNvSpPr>
+            <a:spLocks noGrp="1"/>
+          </p:cNvSpPr>
+          <p:nvPr>
+            <p:ph type="title"/>
+          </p:nvPr>
+        </p:nvSpPr>
+        <p:spPr/>
+        <p:txBody>
+          <a:bodyPr/>
+          <a:lstStyle/>
+          <a:p>
+            <a:r>
+              <a:rPr lang="en-US" dirty="0"/>
+              <a:t>Purchasing Methods</a:t>
+            </a:r>
+          </a:p>
+        </p:txBody>
+      </p:sp>
+      <p:sp>
+        <p:nvSpPr>
+          <p:cNvPr id="3" name="Content Placeholder 2">
+            <a:extLst>
+              <a:ext uri="{FF2B5EF4-FFF2-40B4-BE49-F238E27FC236}">
+                <a16:creationId xmlns:a16="http://schemas.microsoft.com/office/drawing/2014/main" id="{16940EE3-FC01-4029-AA87-4716C51AB5C4}"/>
+              </a:ext>
+            </a:extLst>
+          </p:cNvPr>
+          <p:cNvSpPr>
+            <a:spLocks noGrp="1"/>
+          </p:cNvSpPr>
+          <p:nvPr>
+            <p:ph idx="1"/>
+          </p:nvPr>
+        </p:nvSpPr>
+        <p:spPr>
+          <a:xfrm>
+            <a:off x="1261871" y="1828800"/>
+            <a:ext cx="9041227" cy="4351337"/>
+          </a:xfrm>
+        </p:spPr>
+        <p:txBody>
+          <a:bodyPr>
+            <a:normAutofit fontScale="92500"/>
+          </a:bodyPr>
+          <a:lstStyle/>
+          <a:p>
+            <a:pPr marL="0" indent="0" algn="just">
+              <a:buNone/>
+            </a:pPr>
+            <a:r>
+              <a:rPr lang="en-US" sz="2400" b="1" dirty="0"/>
+              <a:t>1. Purchasing by Requirement</a:t>
+            </a:r>
+          </a:p>
+          <a:p>
+            <a:pPr algn="just">
+              <a:buFontTx/>
+              <a:buChar char="-"/>
+            </a:pPr>
+            <a:r>
+              <a:rPr lang="en-US" sz="2400" dirty="0"/>
+              <a:t>Purchasing goods only when needed and in required quantity</a:t>
+            </a:r>
+          </a:p>
+          <a:p>
+            <a:pPr algn="just">
+              <a:buFontTx/>
+              <a:buChar char="-"/>
+            </a:pPr>
+            <a:r>
+              <a:rPr lang="en-US" sz="2400" dirty="0"/>
+              <a:t>Goods which are not regularly required i.e. emergency goods</a:t>
+            </a:r>
+          </a:p>
+          <a:p>
+            <a:pPr marL="0" indent="0" algn="just">
+              <a:buNone/>
+            </a:pPr>
+            <a:endParaRPr lang="en-US" sz="2400" dirty="0"/>
+          </a:p>
+          <a:p>
+            <a:pPr marL="0" indent="0" algn="just">
+              <a:buNone/>
+            </a:pPr>
+            <a:r>
+              <a:rPr lang="en-US" sz="2400" b="1" dirty="0"/>
+              <a:t>2. Market Purchasing</a:t>
+            </a:r>
+          </a:p>
+          <a:p>
+            <a:pPr algn="just">
+              <a:buFontTx/>
+              <a:buChar char="-"/>
+            </a:pPr>
+            <a:r>
+              <a:rPr lang="en-US" sz="2400" dirty="0"/>
+              <a:t>Buying goods for taking advantages of favorable market situations</a:t>
+            </a:r>
+          </a:p>
+          <a:p>
+            <a:pPr algn="just">
+              <a:buFontTx/>
+              <a:buChar char="-"/>
+            </a:pPr>
+            <a:r>
+              <a:rPr lang="en-US" sz="2400" dirty="0"/>
+              <a:t>Purchases are not made to meet immediate needs but are acquired as per the future requirements</a:t>
+            </a:r>
+          </a:p>
+        </p:txBody>
+      </p:sp>
+    </p:spTree>
+    <p:extLst>
+      <p:ext uri="{BB962C8B-B14F-4D97-AF65-F5344CB8AC3E}">
+        <p14:creationId xmlns:p14="http://schemas.microsoft.com/office/powerpoint/2010/main" val="9941911"/>
+      </p:ext>
+    </p:extLst>
+  </p:cSld>
+  <p:clrMapOvr>
+    <a:masterClrMapping/>
+  </p:clrMapOvr>
+</p:sld>
+</file>
+
+<file path=ppt/slides/slide24.xml><?xml version="1.0" encoding="utf-8"?>
+<p:sld xmlns:a="http://schemas.openxmlformats.org/drawingml/2006/main" xmlns:r="http://schemas.openxmlformats.org/officeDocument/2006/relationships" xmlns:p="http://schemas.openxmlformats.org/presentationml/2006/main">
+  <p:cSld>
+    <p:spTree>
+      <p:nvGrpSpPr>
+        <p:cNvPr id="1" name=""/>
+        <p:cNvGrpSpPr/>
+        <p:nvPr/>
+      </p:nvGrpSpPr>
+      <p:grpSpPr>
+        <a:xfrm>
+          <a:off x="0" y="0"/>
+          <a:ext cx="0" cy="0"/>
+          <a:chOff x="0" y="0"/>
+          <a:chExt cx="0" cy="0"/>
+        </a:xfrm>
+      </p:grpSpPr>
+      <p:sp>
+        <p:nvSpPr>
+          <p:cNvPr id="3" name="Content Placeholder 2">
+            <a:extLst>
+              <a:ext uri="{FF2B5EF4-FFF2-40B4-BE49-F238E27FC236}">
+                <a16:creationId xmlns:a16="http://schemas.microsoft.com/office/drawing/2014/main" id="{D461E217-238A-492F-9E91-4259E9F5C709}"/>
+              </a:ext>
+            </a:extLst>
+          </p:cNvPr>
+          <p:cNvSpPr>
+            <a:spLocks noGrp="1"/>
+          </p:cNvSpPr>
+          <p:nvPr>
+            <p:ph idx="1"/>
+          </p:nvPr>
+        </p:nvSpPr>
+        <p:spPr>
+          <a:xfrm>
+            <a:off x="1261871" y="721218"/>
+            <a:ext cx="9157137" cy="5458920"/>
+          </a:xfrm>
+        </p:spPr>
+        <p:txBody>
+          <a:bodyPr>
+            <a:normAutofit/>
+          </a:bodyPr>
+          <a:lstStyle/>
+          <a:p>
+            <a:pPr marL="0" indent="0" algn="just">
+              <a:buNone/>
+            </a:pPr>
+            <a:r>
+              <a:rPr lang="en-US" sz="2200" b="1" dirty="0"/>
+              <a:t>3. Speculative Purchasing</a:t>
+            </a:r>
+          </a:p>
+          <a:p>
+            <a:pPr algn="just">
+              <a:buFontTx/>
+              <a:buChar char="-"/>
+            </a:pPr>
+            <a:r>
+              <a:rPr lang="en-US" sz="2200" dirty="0"/>
+              <a:t>Purchasing at lower prices with a view to sell them at higher prices in future</a:t>
+            </a:r>
+          </a:p>
+          <a:p>
+            <a:pPr algn="just">
+              <a:buFontTx/>
+              <a:buChar char="-"/>
+            </a:pPr>
+            <a:r>
+              <a:rPr lang="en-US" sz="2200" dirty="0"/>
+              <a:t>Purchases are not made as per the production needs of the plant, but to earn profits out of price rises later on</a:t>
+            </a:r>
+          </a:p>
+          <a:p>
+            <a:pPr marL="0" indent="0" algn="just">
+              <a:buNone/>
+            </a:pPr>
+            <a:endParaRPr lang="en-US" sz="2200" dirty="0"/>
+          </a:p>
+          <a:p>
+            <a:pPr marL="0" indent="0" algn="just">
+              <a:buNone/>
+            </a:pPr>
+            <a:r>
+              <a:rPr lang="en-US" sz="2200" b="1" dirty="0"/>
+              <a:t>4. Purchasing for Specific Future Period</a:t>
+            </a:r>
+          </a:p>
+          <a:p>
+            <a:pPr algn="just">
+              <a:buFontTx/>
+              <a:buChar char="-"/>
+            </a:pPr>
+            <a:r>
+              <a:rPr lang="en-US" sz="2200" dirty="0"/>
+              <a:t>Purchasing goods which are regularly required, in small quantity, and chances of price fluctuations are negligible</a:t>
+            </a:r>
+          </a:p>
+          <a:p>
+            <a:pPr algn="just">
+              <a:buFontTx/>
+              <a:buChar char="-"/>
+            </a:pPr>
+            <a:r>
+              <a:rPr lang="en-US" sz="2200" dirty="0"/>
+              <a:t>Needs for specific period are assessed and purchases made accordingly</a:t>
+            </a:r>
+          </a:p>
+        </p:txBody>
+      </p:sp>
+    </p:spTree>
+    <p:extLst>
+      <p:ext uri="{BB962C8B-B14F-4D97-AF65-F5344CB8AC3E}">
+        <p14:creationId xmlns:p14="http://schemas.microsoft.com/office/powerpoint/2010/main" val="3155997157"/>
+      </p:ext>
+    </p:extLst>
+  </p:cSld>
+  <p:clrMapOvr>
+    <a:masterClrMapping/>
+  </p:clrMapOvr>
+</p:sld>
+</file>
+
+<file path=ppt/slides/slide25.xml><?xml version="1.0" encoding="utf-8"?>
+<p:sld xmlns:a="http://schemas.openxmlformats.org/drawingml/2006/main" xmlns:r="http://schemas.openxmlformats.org/officeDocument/2006/relationships" xmlns:p="http://schemas.openxmlformats.org/presentationml/2006/main">
+  <p:cSld>
+    <p:spTree>
+      <p:nvGrpSpPr>
+        <p:cNvPr id="1" name=""/>
+        <p:cNvGrpSpPr/>
+        <p:nvPr/>
+      </p:nvGrpSpPr>
+      <p:grpSpPr>
+        <a:xfrm>
+          <a:off x="0" y="0"/>
+          <a:ext cx="0" cy="0"/>
+          <a:chOff x="0" y="0"/>
+          <a:chExt cx="0" cy="0"/>
+        </a:xfrm>
+      </p:grpSpPr>
+      <p:sp>
+        <p:nvSpPr>
+          <p:cNvPr id="3" name="Content Placeholder 2">
+            <a:extLst>
+              <a:ext uri="{FF2B5EF4-FFF2-40B4-BE49-F238E27FC236}">
+                <a16:creationId xmlns:a16="http://schemas.microsoft.com/office/drawing/2014/main" id="{CC6DA250-32A9-4B71-A9FB-217E4F0F8C1E}"/>
+              </a:ext>
+            </a:extLst>
+          </p:cNvPr>
+          <p:cNvSpPr>
+            <a:spLocks noGrp="1"/>
+          </p:cNvSpPr>
+          <p:nvPr>
+            <p:ph idx="1"/>
+          </p:nvPr>
+        </p:nvSpPr>
+        <p:spPr>
+          <a:xfrm>
+            <a:off x="1261872" y="811370"/>
+            <a:ext cx="9066984" cy="5368768"/>
+          </a:xfrm>
+        </p:spPr>
+        <p:txBody>
+          <a:bodyPr/>
+          <a:lstStyle/>
+          <a:p>
+            <a:pPr marL="0" indent="0" algn="just">
+              <a:buNone/>
+            </a:pPr>
+            <a:r>
+              <a:rPr lang="en-US" sz="2200" b="1" dirty="0"/>
+              <a:t>5. Contract Purchasing</a:t>
+            </a:r>
+          </a:p>
+          <a:p>
+            <a:pPr algn="just">
+              <a:buFontTx/>
+              <a:buChar char="-"/>
+            </a:pPr>
+            <a:r>
+              <a:rPr lang="en-US" sz="2200" dirty="0"/>
+              <a:t>Specific quantity of materials is contracted to be purchased and delivery is taken in future</a:t>
+            </a:r>
+          </a:p>
+          <a:p>
+            <a:pPr algn="just">
+              <a:buFontTx/>
+              <a:buChar char="-"/>
+            </a:pPr>
+            <a:r>
+              <a:rPr lang="en-US" sz="2200" dirty="0"/>
+              <a:t>Price and other terms and conditions are fixed at the time of contract</a:t>
+            </a:r>
+          </a:p>
+          <a:p>
+            <a:pPr marL="0" indent="0" algn="just">
+              <a:buNone/>
+            </a:pPr>
+            <a:endParaRPr lang="en-US" sz="2200" dirty="0"/>
+          </a:p>
+          <a:p>
+            <a:pPr marL="0" indent="0" algn="just">
+              <a:buNone/>
+            </a:pPr>
+            <a:r>
+              <a:rPr lang="en-US" sz="2200" b="1" dirty="0"/>
+              <a:t>6. Scheduled Purchasing</a:t>
+            </a:r>
+          </a:p>
+          <a:p>
+            <a:pPr algn="just">
+              <a:buFontTx/>
+              <a:buChar char="-"/>
+            </a:pPr>
+            <a:r>
+              <a:rPr lang="en-US" sz="2200" dirty="0"/>
+              <a:t>Suppliers are supplied a probable time schedule for material requirements</a:t>
+            </a:r>
+          </a:p>
+          <a:p>
+            <a:pPr algn="just">
+              <a:buFontTx/>
+              <a:buChar char="-"/>
+            </a:pPr>
+            <a:r>
+              <a:rPr lang="en-US" sz="2200" dirty="0"/>
+              <a:t>Suppliers are informed of probable needs and orders are sent accordingly; not a contract</a:t>
+            </a:r>
+          </a:p>
+          <a:p>
+            <a:pPr marL="0" indent="0">
+              <a:buNone/>
+            </a:pPr>
+            <a:endParaRPr lang="en-US" dirty="0"/>
+          </a:p>
+        </p:txBody>
+      </p:sp>
+    </p:spTree>
+    <p:extLst>
+      <p:ext uri="{BB962C8B-B14F-4D97-AF65-F5344CB8AC3E}">
+        <p14:creationId xmlns:p14="http://schemas.microsoft.com/office/powerpoint/2010/main" val="1100215949"/>
+      </p:ext>
+    </p:extLst>
+  </p:cSld>
+  <p:clrMapOvr>
+    <a:masterClrMapping/>
+  </p:clrMapOvr>
+</p:sld>
+</file>
+
+<file path=ppt/slides/slide26.xml><?xml version="1.0" encoding="utf-8"?>
+<p:sld xmlns:a="http://schemas.openxmlformats.org/drawingml/2006/main" xmlns:r="http://schemas.openxmlformats.org/officeDocument/2006/relationships" xmlns:p="http://schemas.openxmlformats.org/presentationml/2006/main">
+  <p:cSld>
+    <p:spTree>
+      <p:nvGrpSpPr>
+        <p:cNvPr id="1" name=""/>
+        <p:cNvGrpSpPr/>
+        <p:nvPr/>
+      </p:nvGrpSpPr>
+      <p:grpSpPr>
+        <a:xfrm>
+          <a:off x="0" y="0"/>
+          <a:ext cx="0" cy="0"/>
+          <a:chOff x="0" y="0"/>
+          <a:chExt cx="0" cy="0"/>
+        </a:xfrm>
+      </p:grpSpPr>
+      <p:sp>
+        <p:nvSpPr>
+          <p:cNvPr id="3" name="Content Placeholder 2">
+            <a:extLst>
+              <a:ext uri="{FF2B5EF4-FFF2-40B4-BE49-F238E27FC236}">
+                <a16:creationId xmlns:a16="http://schemas.microsoft.com/office/drawing/2014/main" id="{BBAAB1EB-9C44-4C51-ADB7-B07B1C9EDD2B}"/>
+              </a:ext>
+            </a:extLst>
+          </p:cNvPr>
+          <p:cNvSpPr>
+            <a:spLocks noGrp="1"/>
+          </p:cNvSpPr>
+          <p:nvPr>
+            <p:ph idx="1"/>
+          </p:nvPr>
+        </p:nvSpPr>
+        <p:spPr>
+          <a:xfrm>
+            <a:off x="1261871" y="669702"/>
+            <a:ext cx="9221531" cy="5510436"/>
+          </a:xfrm>
+        </p:spPr>
+        <p:txBody>
+          <a:bodyPr>
+            <a:normAutofit/>
+          </a:bodyPr>
+          <a:lstStyle/>
+          <a:p>
+            <a:pPr marL="0" indent="0" algn="just">
+              <a:buNone/>
+            </a:pPr>
+            <a:r>
+              <a:rPr lang="en-US" sz="2200" b="1" dirty="0"/>
+              <a:t>7. Group Purchasing of Small Items</a:t>
+            </a:r>
+          </a:p>
+          <a:p>
+            <a:pPr algn="just">
+              <a:buFontTx/>
+              <a:buChar char="-"/>
+            </a:pPr>
+            <a:r>
+              <a:rPr lang="en-US" sz="2200" dirty="0"/>
+              <a:t>For purchasing a number of small items such that the costs of placing orders may be higher than prices of the items</a:t>
+            </a:r>
+          </a:p>
+          <a:p>
+            <a:pPr algn="just">
+              <a:buFontTx/>
+              <a:buChar char="-"/>
+            </a:pPr>
+            <a:r>
+              <a:rPr lang="en-US" sz="2200" dirty="0"/>
+              <a:t>Buyer places order with a vendor for those items; vendor takes a certain percentage of profit</a:t>
+            </a:r>
+          </a:p>
+          <a:p>
+            <a:pPr algn="just">
+              <a:buFontTx/>
+              <a:buChar char="-"/>
+            </a:pPr>
+            <a:endParaRPr lang="en-US" sz="2200" dirty="0"/>
+          </a:p>
+          <a:p>
+            <a:pPr marL="0" indent="0" algn="just">
+              <a:buNone/>
+            </a:pPr>
+            <a:r>
+              <a:rPr lang="en-US" sz="2200" b="1" dirty="0"/>
+              <a:t>8. Co-operative Purchasing</a:t>
+            </a:r>
+          </a:p>
+          <a:p>
+            <a:pPr algn="just">
+              <a:buFontTx/>
+              <a:buChar char="-"/>
+            </a:pPr>
+            <a:r>
+              <a:rPr lang="en-US" sz="2200" dirty="0"/>
+              <a:t>Small industrial units may join to pool their requirements and then place bulk orders with dealers</a:t>
+            </a:r>
+          </a:p>
+          <a:p>
+            <a:pPr algn="just">
+              <a:buFontTx/>
+              <a:buChar char="-"/>
+            </a:pPr>
+            <a:r>
+              <a:rPr lang="en-US" sz="2200" dirty="0"/>
+              <a:t>Obtain rebates on large quantity purchases, cash discounts and savings in transportation costs</a:t>
+            </a:r>
+          </a:p>
+        </p:txBody>
+      </p:sp>
+    </p:spTree>
+    <p:extLst>
+      <p:ext uri="{BB962C8B-B14F-4D97-AF65-F5344CB8AC3E}">
+        <p14:creationId xmlns:p14="http://schemas.microsoft.com/office/powerpoint/2010/main" val="2472936177"/>
+      </p:ext>
+    </p:extLst>
+  </p:cSld>
+  <p:clrMapOvr>
+    <a:masterClrMapping/>
+  </p:clrMapOvr>
+</p:sld>
+</file>
+
+<file path=ppt/slides/slide3.xml><?xml version="1.0" encoding="utf-8"?>
+<p:sld xmlns:a="http://schemas.openxmlformats.org/drawingml/2006/main" xmlns:r="http://schemas.openxmlformats.org/officeDocument/2006/relationships" xmlns:p="http://schemas.openxmlformats.org/presentationml/2006/main">
+  <p:cSld>
+    <p:spTree>
+      <p:nvGrpSpPr>
+        <p:cNvPr id="1" name=""/>
+        <p:cNvGrpSpPr/>
+        <p:nvPr/>
+      </p:nvGrpSpPr>
+      <p:grpSpPr>
+        <a:xfrm>
+          <a:off x="0" y="0"/>
+          <a:ext cx="0" cy="0"/>
+          <a:chOff x="0" y="0"/>
+          <a:chExt cx="0" cy="0"/>
+        </a:xfrm>
+      </p:grpSpPr>
+      <p:sp>
+        <p:nvSpPr>
+          <p:cNvPr id="2" name="Title 1">
+            <a:extLst>
+              <a:ext uri="{FF2B5EF4-FFF2-40B4-BE49-F238E27FC236}">
                 <a16:creationId xmlns:a16="http://schemas.microsoft.com/office/drawing/2014/main" id="{CE76B675-D792-8CB1-D768-343ACC691105}"/>
               </a:ext>
             </a:extLst>
@@ -4533,7 +5788,7 @@
 </p:sld>
 </file>
 
-<file path=ppt/slides/slide3.xml><?xml version="1.0" encoding="utf-8"?>
+<file path=ppt/slides/slide4.xml><?xml version="1.0" encoding="utf-8"?>
 <p:sld xmlns:a="http://schemas.openxmlformats.org/drawingml/2006/main" xmlns:r="http://schemas.openxmlformats.org/officeDocument/2006/relationships" xmlns:p="http://schemas.openxmlformats.org/presentationml/2006/main">
   <p:cSld>
     <p:spTree>
@@ -4622,136 +5877,6 @@
 </p:sld>
 </file>
 
-<file path=ppt/slides/slide4.xml><?xml version="1.0" encoding="utf-8"?>
-<p:sld xmlns:a="http://schemas.openxmlformats.org/drawingml/2006/main" xmlns:r="http://schemas.openxmlformats.org/officeDocument/2006/relationships" xmlns:p="http://schemas.openxmlformats.org/presentationml/2006/main">
-  <p:cSld>
-    <p:spTree>
-      <p:nvGrpSpPr>
-        <p:cNvPr id="1" name=""/>
-        <p:cNvGrpSpPr/>
-        <p:nvPr/>
-      </p:nvGrpSpPr>
-      <p:grpSpPr>
-        <a:xfrm>
-          <a:off x="0" y="0"/>
-          <a:ext cx="0" cy="0"/>
-          <a:chOff x="0" y="0"/>
-          <a:chExt cx="0" cy="0"/>
-        </a:xfrm>
-      </p:grpSpPr>
-      <p:sp>
-        <p:nvSpPr>
-          <p:cNvPr id="2" name="Title 1">
-            <a:extLst>
-              <a:ext uri="{FF2B5EF4-FFF2-40B4-BE49-F238E27FC236}">
-                <a16:creationId xmlns:a16="http://schemas.microsoft.com/office/drawing/2014/main" id="{42C869D7-FD6A-9A2A-1658-98155D0F653A}"/>
-              </a:ext>
-            </a:extLst>
-          </p:cNvPr>
-          <p:cNvSpPr>
-            <a:spLocks noGrp="1"/>
-          </p:cNvSpPr>
-          <p:nvPr>
-            <p:ph type="title"/>
-          </p:nvPr>
-        </p:nvSpPr>
-        <p:spPr/>
-        <p:txBody>
-          <a:bodyPr/>
-          <a:lstStyle/>
-          <a:p>
-            <a:r>
-              <a:rPr lang="en-US" dirty="0"/>
-              <a:t>Advantages </a:t>
-            </a:r>
-          </a:p>
-        </p:txBody>
-      </p:sp>
-      <p:sp>
-        <p:nvSpPr>
-          <p:cNvPr id="3" name="Content Placeholder 2">
-            <a:extLst>
-              <a:ext uri="{FF2B5EF4-FFF2-40B4-BE49-F238E27FC236}">
-                <a16:creationId xmlns:a16="http://schemas.microsoft.com/office/drawing/2014/main" id="{6D78420A-51B0-50CA-7FAA-3C05F8443910}"/>
-              </a:ext>
-            </a:extLst>
-          </p:cNvPr>
-          <p:cNvSpPr>
-            <a:spLocks noGrp="1"/>
-          </p:cNvSpPr>
-          <p:nvPr>
-            <p:ph idx="1"/>
-          </p:nvPr>
-        </p:nvSpPr>
-        <p:spPr/>
-        <p:txBody>
-          <a:bodyPr vert="horz" lIns="91440" tIns="45720" rIns="91440" bIns="45720" rtlCol="0" anchor="t">
-            <a:normAutofit/>
-          </a:bodyPr>
-          <a:lstStyle/>
-          <a:p>
-            <a:r>
-              <a:rPr lang="en-US" dirty="0"/>
-              <a:t>Simple and Easy To understand </a:t>
-            </a:r>
-          </a:p>
-          <a:p>
-            <a:r>
-              <a:rPr lang="en-US" dirty="0"/>
-              <a:t>Quick Decision And Implementation</a:t>
-            </a:r>
-          </a:p>
-          <a:p>
-            <a:r>
-              <a:rPr lang="en-US" dirty="0"/>
-              <a:t>Maintain Discipline</a:t>
-            </a:r>
-          </a:p>
-          <a:p>
-            <a:r>
-              <a:rPr lang="en-US" dirty="0"/>
-              <a:t>Fixed Responsibility</a:t>
-            </a:r>
-          </a:p>
-          <a:p>
-            <a:r>
-              <a:rPr lang="en-US" dirty="0"/>
-              <a:t>Flexibility</a:t>
-            </a:r>
-          </a:p>
-          <a:p>
-            <a:r>
-              <a:rPr lang="en-US" dirty="0"/>
-              <a:t>Effective Management</a:t>
-            </a:r>
-          </a:p>
-          <a:p>
-            <a:r>
-              <a:rPr lang="en-US" dirty="0"/>
-              <a:t>Economical</a:t>
-            </a:r>
-          </a:p>
-          <a:p>
-            <a:pPr marL="0" indent="0">
-              <a:buNone/>
-            </a:pPr>
-            <a:endParaRPr lang="en-US" dirty="0"/>
-          </a:p>
-        </p:txBody>
-      </p:sp>
-    </p:spTree>
-    <p:extLst>
-      <p:ext uri="{BB962C8B-B14F-4D97-AF65-F5344CB8AC3E}">
-        <p14:creationId xmlns:p14="http://schemas.microsoft.com/office/powerpoint/2010/main" val="594751930"/>
-      </p:ext>
-    </p:extLst>
-  </p:cSld>
-  <p:clrMapOvr>
-    <a:masterClrMapping/>
-  </p:clrMapOvr>
-</p:sld>
-</file>
-
 <file path=ppt/slides/slide5.xml><?xml version="1.0" encoding="utf-8"?>
 <p:sld xmlns:a="http://schemas.openxmlformats.org/drawingml/2006/main" xmlns:r="http://schemas.openxmlformats.org/officeDocument/2006/relationships" xmlns:p="http://schemas.openxmlformats.org/presentationml/2006/main">
   <p:cSld>
@@ -4774,7 +5899,7 @@
           <p:cNvPr id="2" name="Title 1">
             <a:extLst>
               <a:ext uri="{FF2B5EF4-FFF2-40B4-BE49-F238E27FC236}">
-                <a16:creationId xmlns:a16="http://schemas.microsoft.com/office/drawing/2014/main" id="{AE905076-5A66-784F-0A4E-A7EC72FA9069}"/>
+                <a16:creationId xmlns:a16="http://schemas.microsoft.com/office/drawing/2014/main" id="{42C869D7-FD6A-9A2A-1658-98155D0F653A}"/>
               </a:ext>
             </a:extLst>
           </p:cNvPr>
@@ -4792,17 +5917,17 @@
           <a:p>
             <a:r>
               <a:rPr lang="en-US" dirty="0"/>
-              <a:t>Disadvantages</a:t>
-            </a:r>
-          </a:p>
-        </p:txBody>
-      </p:sp>
-      <p:sp>
-        <p:nvSpPr>
-          <p:cNvPr id="12" name="Content Placeholder 11">
+              <a:t>Advantages </a:t>
+            </a:r>
+          </a:p>
+        </p:txBody>
+      </p:sp>
+      <p:sp>
+        <p:nvSpPr>
+          <p:cNvPr id="3" name="Content Placeholder 2">
             <a:extLst>
               <a:ext uri="{FF2B5EF4-FFF2-40B4-BE49-F238E27FC236}">
-                <a16:creationId xmlns:a16="http://schemas.microsoft.com/office/drawing/2014/main" id="{3C2125CE-4FAD-A9EA-0A69-55FD22200633}"/>
+                <a16:creationId xmlns:a16="http://schemas.microsoft.com/office/drawing/2014/main" id="{6D78420A-51B0-50CA-7FAA-3C05F8443910}"/>
               </a:ext>
             </a:extLst>
           </p:cNvPr>
@@ -4822,53 +5947,49 @@
           <a:p>
             <a:r>
               <a:rPr lang="en-US" dirty="0"/>
-              <a:t>Overload on Managers</a:t>
-            </a:r>
-          </a:p>
-          <a:p>
-            <a:r>
-              <a:rPr lang="en-US" dirty="0"/>
-              <a:t>Lack of specialization</a:t>
-            </a:r>
-          </a:p>
-          <a:p>
-            <a:r>
-              <a:rPr lang="en-US" dirty="0"/>
-              <a:t>Autocratic Leadership</a:t>
-            </a:r>
-          </a:p>
-          <a:p>
-            <a:r>
-              <a:rPr lang="en-US" dirty="0"/>
-              <a:t>Problems of coordination</a:t>
-            </a:r>
-          </a:p>
-          <a:p>
-            <a:r>
-              <a:rPr lang="en-US" dirty="0"/>
-              <a:t>Inefficiency</a:t>
-            </a:r>
-          </a:p>
-          <a:p>
-            <a:r>
-              <a:rPr lang="en-US" dirty="0"/>
-              <a:t>Lack of stability</a:t>
-            </a:r>
-          </a:p>
-          <a:p>
-            <a:endParaRPr lang="en-US" dirty="0"/>
-          </a:p>
-          <a:p>
-            <a:r>
-              <a:rPr lang="en-US" dirty="0">
-                <a:ea typeface="+mn-lt"/>
-                <a:cs typeface="+mn-lt"/>
-              </a:rPr>
-              <a:t>https://tyonote.com/line_organization/</a:t>
-            </a:r>
-            <a:endParaRPr lang="en-US" dirty="0"/>
-          </a:p>
-          <a:p>
+              <a:t>Simple and Easy To understand </a:t>
+            </a:r>
+          </a:p>
+          <a:p>
+            <a:r>
+              <a:rPr lang="en-US" dirty="0"/>
+              <a:t>Quick Decision And Implementation</a:t>
+            </a:r>
+          </a:p>
+          <a:p>
+            <a:r>
+              <a:rPr lang="en-US" dirty="0"/>
+              <a:t>Maintain Discipline</a:t>
+            </a:r>
+          </a:p>
+          <a:p>
+            <a:r>
+              <a:rPr lang="en-US" dirty="0"/>
+              <a:t>Fixed Responsibility</a:t>
+            </a:r>
+          </a:p>
+          <a:p>
+            <a:r>
+              <a:rPr lang="en-US" dirty="0"/>
+              <a:t>Flexibility</a:t>
+            </a:r>
+          </a:p>
+          <a:p>
+            <a:r>
+              <a:rPr lang="en-US" dirty="0"/>
+              <a:t>Effective Management</a:t>
+            </a:r>
+          </a:p>
+          <a:p>
+            <a:r>
+              <a:rPr lang="en-US" dirty="0"/>
+              <a:t>Economical</a:t>
+            </a:r>
+          </a:p>
+          <a:p>
+            <a:pPr marL="0" indent="0">
+              <a:buNone/>
+            </a:pPr>
             <a:endParaRPr lang="en-US" dirty="0"/>
           </a:p>
         </p:txBody>
@@ -4876,7 +5997,7 @@
     </p:spTree>
     <p:extLst>
       <p:ext uri="{BB962C8B-B14F-4D97-AF65-F5344CB8AC3E}">
-        <p14:creationId xmlns:p14="http://schemas.microsoft.com/office/powerpoint/2010/main" val="3236072562"/>
+        <p14:creationId xmlns:p14="http://schemas.microsoft.com/office/powerpoint/2010/main" val="594751930"/>
       </p:ext>
     </p:extLst>
   </p:cSld>
@@ -4908,6 +6029,140 @@
           <p:cNvPr id="2" name="Title 1">
             <a:extLst>
               <a:ext uri="{FF2B5EF4-FFF2-40B4-BE49-F238E27FC236}">
+                <a16:creationId xmlns:a16="http://schemas.microsoft.com/office/drawing/2014/main" id="{AE905076-5A66-784F-0A4E-A7EC72FA9069}"/>
+              </a:ext>
+            </a:extLst>
+          </p:cNvPr>
+          <p:cNvSpPr>
+            <a:spLocks noGrp="1"/>
+          </p:cNvSpPr>
+          <p:nvPr>
+            <p:ph type="title"/>
+          </p:nvPr>
+        </p:nvSpPr>
+        <p:spPr/>
+        <p:txBody>
+          <a:bodyPr/>
+          <a:lstStyle/>
+          <a:p>
+            <a:r>
+              <a:rPr lang="en-US" dirty="0"/>
+              <a:t>Disadvantages</a:t>
+            </a:r>
+          </a:p>
+        </p:txBody>
+      </p:sp>
+      <p:sp>
+        <p:nvSpPr>
+          <p:cNvPr id="12" name="Content Placeholder 11">
+            <a:extLst>
+              <a:ext uri="{FF2B5EF4-FFF2-40B4-BE49-F238E27FC236}">
+                <a16:creationId xmlns:a16="http://schemas.microsoft.com/office/drawing/2014/main" id="{3C2125CE-4FAD-A9EA-0A69-55FD22200633}"/>
+              </a:ext>
+            </a:extLst>
+          </p:cNvPr>
+          <p:cNvSpPr>
+            <a:spLocks noGrp="1"/>
+          </p:cNvSpPr>
+          <p:nvPr>
+            <p:ph idx="1"/>
+          </p:nvPr>
+        </p:nvSpPr>
+        <p:spPr/>
+        <p:txBody>
+          <a:bodyPr vert="horz" lIns="91440" tIns="45720" rIns="91440" bIns="45720" rtlCol="0" anchor="t">
+            <a:normAutofit/>
+          </a:bodyPr>
+          <a:lstStyle/>
+          <a:p>
+            <a:r>
+              <a:rPr lang="en-US" dirty="0"/>
+              <a:t>Overload on Managers</a:t>
+            </a:r>
+          </a:p>
+          <a:p>
+            <a:r>
+              <a:rPr lang="en-US" dirty="0"/>
+              <a:t>Lack of specialization</a:t>
+            </a:r>
+          </a:p>
+          <a:p>
+            <a:r>
+              <a:rPr lang="en-US" dirty="0"/>
+              <a:t>Autocratic Leadership</a:t>
+            </a:r>
+          </a:p>
+          <a:p>
+            <a:r>
+              <a:rPr lang="en-US" dirty="0"/>
+              <a:t>Problems of coordination</a:t>
+            </a:r>
+          </a:p>
+          <a:p>
+            <a:r>
+              <a:rPr lang="en-US" dirty="0"/>
+              <a:t>Inefficiency</a:t>
+            </a:r>
+          </a:p>
+          <a:p>
+            <a:r>
+              <a:rPr lang="en-US" dirty="0"/>
+              <a:t>Lack of stability</a:t>
+            </a:r>
+          </a:p>
+          <a:p>
+            <a:endParaRPr lang="en-US" dirty="0"/>
+          </a:p>
+          <a:p>
+            <a:r>
+              <a:rPr lang="en-US" dirty="0">
+                <a:ea typeface="+mn-lt"/>
+                <a:cs typeface="+mn-lt"/>
+              </a:rPr>
+              <a:t>https://tyonote.com/line_organization/</a:t>
+            </a:r>
+            <a:endParaRPr lang="en-US" dirty="0"/>
+          </a:p>
+          <a:p>
+            <a:endParaRPr lang="en-US" dirty="0"/>
+          </a:p>
+        </p:txBody>
+      </p:sp>
+    </p:spTree>
+    <p:extLst>
+      <p:ext uri="{BB962C8B-B14F-4D97-AF65-F5344CB8AC3E}">
+        <p14:creationId xmlns:p14="http://schemas.microsoft.com/office/powerpoint/2010/main" val="3236072562"/>
+      </p:ext>
+    </p:extLst>
+  </p:cSld>
+  <p:clrMapOvr>
+    <a:masterClrMapping/>
+  </p:clrMapOvr>
+</p:sld>
+</file>
+
+<file path=ppt/slides/slide7.xml><?xml version="1.0" encoding="utf-8"?>
+<p:sld xmlns:a="http://schemas.openxmlformats.org/drawingml/2006/main" xmlns:r="http://schemas.openxmlformats.org/officeDocument/2006/relationships" xmlns:p="http://schemas.openxmlformats.org/presentationml/2006/main">
+  <p:cSld>
+    <p:spTree>
+      <p:nvGrpSpPr>
+        <p:cNvPr id="1" name=""/>
+        <p:cNvGrpSpPr/>
+        <p:nvPr/>
+      </p:nvGrpSpPr>
+      <p:grpSpPr>
+        <a:xfrm>
+          <a:off x="0" y="0"/>
+          <a:ext cx="0" cy="0"/>
+          <a:chOff x="0" y="0"/>
+          <a:chExt cx="0" cy="0"/>
+        </a:xfrm>
+      </p:grpSpPr>
+      <p:sp>
+        <p:nvSpPr>
+          <p:cNvPr id="2" name="Title 1">
+            <a:extLst>
+              <a:ext uri="{FF2B5EF4-FFF2-40B4-BE49-F238E27FC236}">
                 <a16:creationId xmlns:a16="http://schemas.microsoft.com/office/drawing/2014/main" id="{4F7E1014-4E5C-01DC-084E-200D63A35416}"/>
               </a:ext>
             </a:extLst>
@@ -4998,7 +6253,7 @@
 </p:sld>
 </file>
 
-<file path=ppt/slides/slide7.xml><?xml version="1.0" encoding="utf-8"?>
+<file path=ppt/slides/slide8.xml><?xml version="1.0" encoding="utf-8"?>
 <p:sld xmlns:a="http://schemas.openxmlformats.org/drawingml/2006/main" xmlns:r="http://schemas.openxmlformats.org/officeDocument/2006/relationships" xmlns:p="http://schemas.openxmlformats.org/presentationml/2006/main">
   <p:cSld>
     <p:bg>
@@ -5180,127 +6435,6 @@
 </p:sld>
 </file>
 
-<file path=ppt/slides/slide8.xml><?xml version="1.0" encoding="utf-8"?>
-<p:sld xmlns:a="http://schemas.openxmlformats.org/drawingml/2006/main" xmlns:r="http://schemas.openxmlformats.org/officeDocument/2006/relationships" xmlns:p="http://schemas.openxmlformats.org/presentationml/2006/main">
-  <p:cSld>
-    <p:spTree>
-      <p:nvGrpSpPr>
-        <p:cNvPr id="1" name=""/>
-        <p:cNvGrpSpPr/>
-        <p:nvPr/>
-      </p:nvGrpSpPr>
-      <p:grpSpPr>
-        <a:xfrm>
-          <a:off x="0" y="0"/>
-          <a:ext cx="0" cy="0"/>
-          <a:chOff x="0" y="0"/>
-          <a:chExt cx="0" cy="0"/>
-        </a:xfrm>
-      </p:grpSpPr>
-      <p:sp>
-        <p:nvSpPr>
-          <p:cNvPr id="2" name="Title 1">
-            <a:extLst>
-              <a:ext uri="{FF2B5EF4-FFF2-40B4-BE49-F238E27FC236}">
-                <a16:creationId xmlns:a16="http://schemas.microsoft.com/office/drawing/2014/main" id="{F75ECAFC-DF55-FD82-D970-2585E5586B60}"/>
-              </a:ext>
-            </a:extLst>
-          </p:cNvPr>
-          <p:cNvSpPr>
-            <a:spLocks noGrp="1"/>
-          </p:cNvSpPr>
-          <p:nvPr>
-            <p:ph type="title"/>
-          </p:nvPr>
-        </p:nvSpPr>
-        <p:spPr/>
-        <p:txBody>
-          <a:bodyPr/>
-          <a:lstStyle/>
-          <a:p>
-            <a:r>
-              <a:rPr lang="en-US" dirty="0"/>
-              <a:t>Advantages</a:t>
-            </a:r>
-          </a:p>
-        </p:txBody>
-      </p:sp>
-      <p:sp>
-        <p:nvSpPr>
-          <p:cNvPr id="3" name="Content Placeholder 2">
-            <a:extLst>
-              <a:ext uri="{FF2B5EF4-FFF2-40B4-BE49-F238E27FC236}">
-                <a16:creationId xmlns:a16="http://schemas.microsoft.com/office/drawing/2014/main" id="{15A5C4E4-DEFF-4279-B583-FECF0E14D450}"/>
-              </a:ext>
-            </a:extLst>
-          </p:cNvPr>
-          <p:cNvSpPr>
-            <a:spLocks noGrp="1"/>
-          </p:cNvSpPr>
-          <p:nvPr>
-            <p:ph idx="1"/>
-          </p:nvPr>
-        </p:nvSpPr>
-        <p:spPr/>
-        <p:txBody>
-          <a:bodyPr vert="horz" lIns="91440" tIns="45720" rIns="91440" bIns="45720" rtlCol="0" anchor="t">
-            <a:normAutofit/>
-          </a:bodyPr>
-          <a:lstStyle/>
-          <a:p>
-            <a:r>
-              <a:rPr lang="en-US" dirty="0"/>
-              <a:t> Benefits of Specialists</a:t>
-            </a:r>
-          </a:p>
-          <a:p>
-            <a:r>
-              <a:rPr lang="en-US" dirty="0"/>
-              <a:t> Increase Efficiency</a:t>
-            </a:r>
-          </a:p>
-          <a:p>
-            <a:r>
-              <a:rPr lang="en-US" dirty="0"/>
-              <a:t>Healthy Competition Among Experts</a:t>
-            </a:r>
-          </a:p>
-          <a:p>
-            <a:r>
-              <a:rPr lang="en-US" dirty="0"/>
-              <a:t>Relief To Executives</a:t>
-            </a:r>
-          </a:p>
-          <a:p>
-            <a:r>
-              <a:rPr lang="en-US" dirty="0"/>
-              <a:t>Mass Production</a:t>
-            </a:r>
-          </a:p>
-          <a:p>
-            <a:r>
-              <a:rPr lang="en-US" dirty="0"/>
-              <a:t>Facilitates Growth and Expansion</a:t>
-            </a:r>
-          </a:p>
-          <a:p>
-            <a:endParaRPr lang="en-US" dirty="0"/>
-          </a:p>
-        </p:txBody>
-      </p:sp>
-    </p:spTree>
-    <p:extLst>
-      <p:ext uri="{BB962C8B-B14F-4D97-AF65-F5344CB8AC3E}">
-        <p14:creationId xmlns:p14="http://schemas.microsoft.com/office/powerpoint/2010/main" val="816382986"/>
-      </p:ext>
-    </p:extLst>
-  </p:cSld>
-  <p:clrMapOvr>
-    <a:masterClrMapping/>
-  </p:clrMapOvr>
-</p:sld>
-</file>
-
 <file path=ppt/slides/slide9.xml><?xml version="1.0" encoding="utf-8"?>
 <p:sld xmlns:a="http://schemas.openxmlformats.org/drawingml/2006/main" xmlns:r="http://schemas.openxmlformats.org/officeDocument/2006/relationships" xmlns:p="http://schemas.openxmlformats.org/presentationml/2006/main">
   <p:cSld>
@@ -5323,7 +6457,7 @@
           <p:cNvPr id="2" name="Title 1">
             <a:extLst>
               <a:ext uri="{FF2B5EF4-FFF2-40B4-BE49-F238E27FC236}">
-                <a16:creationId xmlns:a16="http://schemas.microsoft.com/office/drawing/2014/main" id="{4F4E3301-74BB-E390-1BF5-C99B7E1333D4}"/>
+                <a16:creationId xmlns:a16="http://schemas.microsoft.com/office/drawing/2014/main" id="{F75ECAFC-DF55-FD82-D970-2585E5586B60}"/>
               </a:ext>
             </a:extLst>
           </p:cNvPr>
@@ -5341,7 +6475,7 @@
           <a:p>
             <a:r>
               <a:rPr lang="en-US" dirty="0"/>
-              <a:t>Disadvantages</a:t>
+              <a:t>Advantages</a:t>
             </a:r>
           </a:p>
         </p:txBody>
@@ -5351,7 +6485,7 @@
           <p:cNvPr id="3" name="Content Placeholder 2">
             <a:extLst>
               <a:ext uri="{FF2B5EF4-FFF2-40B4-BE49-F238E27FC236}">
-                <a16:creationId xmlns:a16="http://schemas.microsoft.com/office/drawing/2014/main" id="{C2FB35D7-9157-3E0B-3713-05E97519F10D}"/>
+                <a16:creationId xmlns:a16="http://schemas.microsoft.com/office/drawing/2014/main" id="{15A5C4E4-DEFF-4279-B583-FECF0E14D450}"/>
               </a:ext>
             </a:extLst>
           </p:cNvPr>
@@ -5371,37 +6505,37 @@
           <a:p>
             <a:r>
               <a:rPr lang="en-US" dirty="0"/>
-              <a:t>Multiple Command System</a:t>
-            </a:r>
-          </a:p>
-          <a:p>
-            <a:r>
-              <a:rPr lang="en-US" dirty="0"/>
-              <a:t>Lack of Coordination</a:t>
-            </a:r>
-          </a:p>
-          <a:p>
-            <a:r>
-              <a:rPr lang="en-US" dirty="0"/>
-              <a:t>High Administrative Cost</a:t>
-            </a:r>
-          </a:p>
-          <a:p>
-            <a:r>
-              <a:rPr lang="en-US" dirty="0"/>
-              <a:t>Delay in Decision-Making</a:t>
-            </a:r>
-          </a:p>
-          <a:p>
-            <a:r>
-              <a:rPr lang="en-US" dirty="0"/>
-              <a:t>Spoils Human Relations</a:t>
-            </a:r>
-          </a:p>
-          <a:p>
-            <a:r>
-              <a:rPr lang="en-US" dirty="0"/>
-              <a:t>Narrow Outlooks of Specialists</a:t>
+              <a:t> Benefits of Specialists</a:t>
+            </a:r>
+          </a:p>
+          <a:p>
+            <a:r>
+              <a:rPr lang="en-US" dirty="0"/>
+              <a:t> Increase Efficiency</a:t>
+            </a:r>
+          </a:p>
+          <a:p>
+            <a:r>
+              <a:rPr lang="en-US" dirty="0"/>
+              <a:t>Healthy Competition Among Experts</a:t>
+            </a:r>
+          </a:p>
+          <a:p>
+            <a:r>
+              <a:rPr lang="en-US" dirty="0"/>
+              <a:t>Relief To Executives</a:t>
+            </a:r>
+          </a:p>
+          <a:p>
+            <a:r>
+              <a:rPr lang="en-US" dirty="0"/>
+              <a:t>Mass Production</a:t>
+            </a:r>
+          </a:p>
+          <a:p>
+            <a:r>
+              <a:rPr lang="en-US" dirty="0"/>
+              <a:t>Facilitates Growth and Expansion</a:t>
             </a:r>
           </a:p>
           <a:p>
@@ -5412,7 +6546,7 @@
     </p:spTree>
     <p:extLst>
       <p:ext uri="{BB962C8B-B14F-4D97-AF65-F5344CB8AC3E}">
-        <p14:creationId xmlns:p14="http://schemas.microsoft.com/office/powerpoint/2010/main" val="4163454497"/>
+        <p14:creationId xmlns:p14="http://schemas.microsoft.com/office/powerpoint/2010/main" val="816382986"/>
       </p:ext>
     </p:extLst>
   </p:cSld>
